--- a/included/JejuMatjipProject.pptx
+++ b/included/JejuMatjipProject.pptx
@@ -10,7 +10,10 @@
     <p:sldId id="267" r:id="rId4"/>
     <p:sldId id="266" r:id="rId5"/>
     <p:sldId id="268" r:id="rId6"/>
-    <p:sldId id="264" r:id="rId7"/>
+    <p:sldId id="269" r:id="rId7"/>
+    <p:sldId id="270" r:id="rId8"/>
+    <p:sldId id="274" r:id="rId9"/>
+    <p:sldId id="264" r:id="rId10"/>
   </p:sldIdLst>
   <p:sldSz cx="12192000" cy="6858000"/>
   <p:notesSz cx="6858000" cy="9144000"/>
@@ -487,7 +490,7 @@
           <a:p>
             <a:fld id="{3FADA369-FF42-45A8-8DDE-932ACC2B9773}" type="datetimeFigureOut">
               <a:rPr lang="ko-KR" altLang="en-US" smtClean="0"/>
-              <a:t>2023-07-31</a:t>
+              <a:t>2023-08-01</a:t>
             </a:fld>
             <a:endParaRPr lang="ko-KR" altLang="en-US"/>
           </a:p>
@@ -740,7 +743,7 @@
           <a:p>
             <a:fld id="{3FADA369-FF42-45A8-8DDE-932ACC2B9773}" type="datetimeFigureOut">
               <a:rPr lang="ko-KR" altLang="en-US" smtClean="0"/>
-              <a:t>2023-07-31</a:t>
+              <a:t>2023-08-01</a:t>
             </a:fld>
             <a:endParaRPr lang="ko-KR" altLang="en-US"/>
           </a:p>
@@ -910,7 +913,7 @@
           <a:p>
             <a:fld id="{3FADA369-FF42-45A8-8DDE-932ACC2B9773}" type="datetimeFigureOut">
               <a:rPr lang="ko-KR" altLang="en-US" smtClean="0"/>
-              <a:t>2023-07-31</a:t>
+              <a:t>2023-08-01</a:t>
             </a:fld>
             <a:endParaRPr lang="ko-KR" altLang="en-US"/>
           </a:p>
@@ -1090,7 +1093,7 @@
           <a:p>
             <a:fld id="{3FADA369-FF42-45A8-8DDE-932ACC2B9773}" type="datetimeFigureOut">
               <a:rPr lang="ko-KR" altLang="en-US" smtClean="0"/>
-              <a:t>2023-07-31</a:t>
+              <a:t>2023-08-01</a:t>
             </a:fld>
             <a:endParaRPr lang="ko-KR" altLang="en-US"/>
           </a:p>
@@ -1337,7 +1340,7 @@
           <a:p>
             <a:fld id="{3FADA369-FF42-45A8-8DDE-932ACC2B9773}" type="datetimeFigureOut">
               <a:rPr lang="ko-KR" altLang="en-US" smtClean="0"/>
-              <a:t>2023-07-31</a:t>
+              <a:t>2023-08-01</a:t>
             </a:fld>
             <a:endParaRPr lang="ko-KR" altLang="en-US"/>
           </a:p>
@@ -1631,7 +1634,7 @@
           <a:p>
             <a:fld id="{3FADA369-FF42-45A8-8DDE-932ACC2B9773}" type="datetimeFigureOut">
               <a:rPr lang="ko-KR" altLang="en-US" smtClean="0"/>
-              <a:t>2023-07-31</a:t>
+              <a:t>2023-08-01</a:t>
             </a:fld>
             <a:endParaRPr lang="ko-KR" altLang="en-US"/>
           </a:p>
@@ -1877,7 +1880,7 @@
           <a:p>
             <a:fld id="{3FADA369-FF42-45A8-8DDE-932ACC2B9773}" type="datetimeFigureOut">
               <a:rPr lang="ko-KR" altLang="en-US" smtClean="0"/>
-              <a:t>2023-07-31</a:t>
+              <a:t>2023-08-01</a:t>
             </a:fld>
             <a:endParaRPr lang="ko-KR" altLang="en-US"/>
           </a:p>
@@ -2109,7 +2112,7 @@
           <a:p>
             <a:fld id="{3FADA369-FF42-45A8-8DDE-932ACC2B9773}" type="datetimeFigureOut">
               <a:rPr lang="ko-KR" altLang="en-US" smtClean="0"/>
-              <a:t>2023-07-31</a:t>
+              <a:t>2023-08-01</a:t>
             </a:fld>
             <a:endParaRPr lang="ko-KR" altLang="en-US"/>
           </a:p>
@@ -2476,7 +2479,7 @@
           <a:p>
             <a:fld id="{3FADA369-FF42-45A8-8DDE-932ACC2B9773}" type="datetimeFigureOut">
               <a:rPr lang="ko-KR" altLang="en-US" smtClean="0"/>
-              <a:t>2023-07-31</a:t>
+              <a:t>2023-08-01</a:t>
             </a:fld>
             <a:endParaRPr lang="ko-KR" altLang="en-US"/>
           </a:p>
@@ -2594,7 +2597,7 @@
           <a:p>
             <a:fld id="{3FADA369-FF42-45A8-8DDE-932ACC2B9773}" type="datetimeFigureOut">
               <a:rPr lang="ko-KR" altLang="en-US" smtClean="0"/>
-              <a:t>2023-07-31</a:t>
+              <a:t>2023-08-01</a:t>
             </a:fld>
             <a:endParaRPr lang="ko-KR" altLang="en-US"/>
           </a:p>
@@ -2807,7 +2810,7 @@
           <a:p>
             <a:fld id="{3FADA369-FF42-45A8-8DDE-932ACC2B9773}" type="datetimeFigureOut">
               <a:rPr lang="ko-KR" altLang="en-US" smtClean="0"/>
-              <a:t>2023-07-31</a:t>
+              <a:t>2023-08-01</a:t>
             </a:fld>
             <a:endParaRPr lang="ko-KR" altLang="en-US"/>
           </a:p>
@@ -3290,6 +3293,14 @@
               </a:rPr>
               <a:t>WEBSITE</a:t>
             </a:r>
+            <a:endParaRPr lang="en-US" altLang="ko-KR" sz="5000" spc="600" dirty="0" smtClean="0">
+              <a:solidFill>
+                <a:schemeClr val="tx2">
+                  <a:lumMod val="75000"/>
+                </a:schemeClr>
+              </a:solidFill>
+              <a:latin typeface="Fivo Sans Black" pitchFamily="50" charset="0"/>
+            </a:endParaRPr>
           </a:p>
           <a:p>
             <a:pPr algn="ctr">
@@ -6646,36 +6657,726 @@
           </p:pic>
         </p:grpSp>
       </p:grpSp>
-      <p:pic>
-        <p:nvPicPr>
-          <p:cNvPr id="4" name="그림 3"/>
-          <p:cNvPicPr>
-            <a:picLocks noChangeAspect="1"/>
-          </p:cNvPicPr>
+      <p:sp>
+        <p:nvSpPr>
+          <p:cNvPr id="3" name="TextBox 2"/>
+          <p:cNvSpPr txBox="1"/>
           <p:nvPr/>
-        </p:nvPicPr>
-        <p:blipFill>
-          <a:blip r:embed="rId3">
-            <a:extLst>
-              <a:ext uri="{28A0092B-C50C-407E-A947-70E740481C1C}">
-                <a14:useLocalDpi xmlns:a14="http://schemas.microsoft.com/office/drawing/2010/main" val="0"/>
-              </a:ext>
-            </a:extLst>
-          </a:blip>
-          <a:stretch>
-            <a:fillRect/>
-          </a:stretch>
-        </p:blipFill>
+        </p:nvSpPr>
         <p:spPr>
           <a:xfrm>
-            <a:off x="3864556" y="1421931"/>
-            <a:ext cx="4462887" cy="4754406"/>
+            <a:off x="6885640" y="1413523"/>
+            <a:ext cx="4681090" cy="5101397"/>
           </a:xfrm>
           <a:prstGeom prst="rect">
             <a:avLst/>
           </a:prstGeom>
+          <a:noFill/>
         </p:spPr>
-      </p:pic>
+        <p:txBody>
+          <a:bodyPr wrap="none" rtlCol="0">
+            <a:spAutoFit/>
+          </a:bodyPr>
+          <a:lstStyle/>
+          <a:p>
+            <a:r>
+              <a:rPr lang="en-US" altLang="ko-KR" sz="1050" b="1" dirty="0"/>
+              <a:t>## </a:t>
+            </a:r>
+            <a:r>
+              <a:rPr lang="ko-KR" altLang="en-US" sz="1050" b="1" dirty="0" err="1" smtClean="0"/>
+              <a:t>기술스택</a:t>
+            </a:r>
+            <a:endParaRPr lang="en-US" altLang="ko-KR" sz="1050" dirty="0"/>
+          </a:p>
+          <a:p>
+            <a:endParaRPr lang="ko-KR" altLang="en-US" sz="1050" dirty="0"/>
+          </a:p>
+          <a:p>
+            <a:r>
+              <a:rPr lang="ko-KR" altLang="en-US" sz="1050" b="1" dirty="0"/>
+              <a:t>**</a:t>
+            </a:r>
+            <a:r>
+              <a:rPr lang="en-US" altLang="ko-KR" sz="1050" b="1" dirty="0"/>
+              <a:t>Frontend**</a:t>
+            </a:r>
+            <a:endParaRPr lang="en-US" altLang="ko-KR" sz="1050" dirty="0"/>
+          </a:p>
+          <a:p>
+            <a:r>
+              <a:rPr lang="en-US" altLang="ko-KR" sz="1050" dirty="0"/>
+              <a:t/>
+            </a:r>
+            <a:br>
+              <a:rPr lang="en-US" altLang="ko-KR" sz="1050" dirty="0"/>
+            </a:br>
+            <a:r>
+              <a:rPr lang="en-US" altLang="ko-KR" sz="1050" dirty="0"/>
+              <a:t>    HTML5, CSS3, JavaScript, JQuery(Ajax), Popper(1.14.0), bootstrap(5.2.3)</a:t>
+            </a:r>
+          </a:p>
+          <a:p>
+            <a:r>
+              <a:rPr lang="en-US" altLang="ko-KR" sz="1050" dirty="0"/>
+              <a:t/>
+            </a:r>
+            <a:br>
+              <a:rPr lang="en-US" altLang="ko-KR" sz="1050" dirty="0"/>
+            </a:br>
+            <a:r>
+              <a:rPr lang="en-US" altLang="ko-KR" sz="1050" b="1" dirty="0"/>
+              <a:t>**IDE**</a:t>
+            </a:r>
+            <a:endParaRPr lang="en-US" altLang="ko-KR" sz="1050" dirty="0"/>
+          </a:p>
+          <a:p>
+            <a:r>
+              <a:rPr lang="en-US" altLang="ko-KR" sz="1050" dirty="0"/>
+              <a:t/>
+            </a:r>
+            <a:br>
+              <a:rPr lang="en-US" altLang="ko-KR" sz="1050" dirty="0"/>
+            </a:br>
+            <a:r>
+              <a:rPr lang="en-US" altLang="ko-KR" sz="1050" dirty="0"/>
+              <a:t>    STS(3.9.11.RELEASE)</a:t>
+            </a:r>
+          </a:p>
+          <a:p>
+            <a:r>
+              <a:rPr lang="en-US" altLang="ko-KR" sz="1050" dirty="0"/>
+              <a:t/>
+            </a:r>
+            <a:br>
+              <a:rPr lang="en-US" altLang="ko-KR" sz="1050" dirty="0"/>
+            </a:br>
+            <a:r>
+              <a:rPr lang="en-US" altLang="ko-KR" sz="1050" b="1" dirty="0"/>
+              <a:t>**Backend-Language**</a:t>
+            </a:r>
+            <a:endParaRPr lang="en-US" altLang="ko-KR" sz="1050" dirty="0"/>
+          </a:p>
+          <a:p>
+            <a:r>
+              <a:rPr lang="en-US" altLang="ko-KR" sz="1050" dirty="0"/>
+              <a:t/>
+            </a:r>
+            <a:br>
+              <a:rPr lang="en-US" altLang="ko-KR" sz="1050" dirty="0"/>
+            </a:br>
+            <a:r>
+              <a:rPr lang="en-US" altLang="ko-KR" sz="1050" dirty="0"/>
+              <a:t>    Java(TM) SE Runtime Environment 18.9 (build 11.0.20+9-LTS-256)</a:t>
+            </a:r>
+          </a:p>
+          <a:p>
+            <a:r>
+              <a:rPr lang="en-US" altLang="ko-KR" sz="1050" dirty="0"/>
+              <a:t/>
+            </a:r>
+            <a:br>
+              <a:rPr lang="en-US" altLang="ko-KR" sz="1050" dirty="0"/>
+            </a:br>
+            <a:r>
+              <a:rPr lang="en-US" altLang="ko-KR" sz="1050" b="1" dirty="0"/>
+              <a:t>**Backend-Library**</a:t>
+            </a:r>
+            <a:endParaRPr lang="en-US" altLang="ko-KR" sz="1050" dirty="0"/>
+          </a:p>
+          <a:p>
+            <a:r>
+              <a:rPr lang="en-US" altLang="ko-KR" sz="1050" dirty="0"/>
+              <a:t/>
+            </a:r>
+            <a:br>
+              <a:rPr lang="en-US" altLang="ko-KR" sz="1050" dirty="0"/>
+            </a:br>
+            <a:r>
+              <a:rPr lang="en-US" altLang="ko-KR" sz="1050" dirty="0"/>
+              <a:t>    Spring Framework(5.2.2.RELEASE), Lombok, </a:t>
+            </a:r>
+            <a:r>
+              <a:rPr lang="en-US" altLang="ko-KR" sz="1050" dirty="0" err="1"/>
+              <a:t>MyBatis</a:t>
+            </a:r>
+            <a:r>
+              <a:rPr lang="en-US" altLang="ko-KR" sz="1050" dirty="0" smtClean="0"/>
+              <a:t>,</a:t>
+            </a:r>
+          </a:p>
+          <a:p>
+            <a:r>
+              <a:rPr lang="en-US" altLang="ko-KR" sz="1050" dirty="0"/>
+              <a:t> </a:t>
+            </a:r>
+            <a:r>
+              <a:rPr lang="en-US" altLang="ko-KR" sz="1050" dirty="0" smtClean="0"/>
+              <a:t>   </a:t>
+            </a:r>
+            <a:r>
+              <a:rPr lang="en-US" altLang="ko-KR" sz="1050" dirty="0"/>
+              <a:t>Log4JDBC, </a:t>
+            </a:r>
+            <a:r>
+              <a:rPr lang="en-US" altLang="ko-KR" sz="1050" dirty="0" err="1"/>
+              <a:t>HikariCP</a:t>
+            </a:r>
+            <a:r>
+              <a:rPr lang="en-US" altLang="ko-KR" sz="1050" dirty="0"/>
+              <a:t>(2.7.4), Jakarta(2.0.2)</a:t>
+            </a:r>
+          </a:p>
+          <a:p>
+            <a:r>
+              <a:rPr lang="en-US" altLang="ko-KR" sz="1050" dirty="0"/>
+              <a:t/>
+            </a:r>
+            <a:br>
+              <a:rPr lang="en-US" altLang="ko-KR" sz="1050" dirty="0"/>
+            </a:br>
+            <a:r>
+              <a:rPr lang="en-US" altLang="ko-KR" sz="1050" b="1" dirty="0"/>
+              <a:t>**Backend-Dependency Manager**</a:t>
+            </a:r>
+            <a:endParaRPr lang="en-US" altLang="ko-KR" sz="1050" dirty="0"/>
+          </a:p>
+          <a:p>
+            <a:r>
+              <a:rPr lang="en-US" altLang="ko-KR" sz="1050" dirty="0"/>
+              <a:t/>
+            </a:r>
+            <a:br>
+              <a:rPr lang="en-US" altLang="ko-KR" sz="1050" dirty="0"/>
+            </a:br>
+            <a:r>
+              <a:rPr lang="en-US" altLang="ko-KR" sz="1050" dirty="0"/>
+              <a:t>    Maven</a:t>
+            </a:r>
+          </a:p>
+          <a:p>
+            <a:r>
+              <a:rPr lang="en-US" altLang="ko-KR" sz="1050" dirty="0"/>
+              <a:t/>
+            </a:r>
+            <a:br>
+              <a:rPr lang="en-US" altLang="ko-KR" sz="1050" dirty="0"/>
+            </a:br>
+            <a:r>
+              <a:rPr lang="en-US" altLang="ko-KR" sz="1050" b="1" dirty="0"/>
+              <a:t>**DBMS**</a:t>
+            </a:r>
+            <a:endParaRPr lang="en-US" altLang="ko-KR" sz="1050" dirty="0"/>
+          </a:p>
+          <a:p>
+            <a:r>
+              <a:rPr lang="en-US" altLang="ko-KR" sz="1050" dirty="0"/>
+              <a:t/>
+            </a:r>
+            <a:br>
+              <a:rPr lang="en-US" altLang="ko-KR" sz="1050" dirty="0"/>
+            </a:br>
+            <a:r>
+              <a:rPr lang="en-US" altLang="ko-KR" sz="1050" dirty="0"/>
+              <a:t>    Oracle</a:t>
+            </a:r>
+          </a:p>
+          <a:p>
+            <a:r>
+              <a:rPr lang="en-US" altLang="ko-KR" sz="1050" dirty="0"/>
+              <a:t/>
+            </a:r>
+            <a:br>
+              <a:rPr lang="en-US" altLang="ko-KR" sz="1050" dirty="0"/>
+            </a:br>
+            <a:r>
+              <a:rPr lang="en-US" altLang="ko-KR" sz="1050" b="1" dirty="0"/>
+              <a:t>**WAS**</a:t>
+            </a:r>
+            <a:endParaRPr lang="en-US" altLang="ko-KR" sz="1050" dirty="0"/>
+          </a:p>
+          <a:p>
+            <a:r>
+              <a:rPr lang="en-US" altLang="ko-KR" sz="1050" dirty="0"/>
+              <a:t/>
+            </a:r>
+            <a:br>
+              <a:rPr lang="en-US" altLang="ko-KR" sz="1050" dirty="0"/>
+            </a:br>
+            <a:r>
+              <a:rPr lang="en-US" altLang="ko-KR" sz="1050" dirty="0"/>
+              <a:t>    Apache Tomcat</a:t>
+            </a:r>
+          </a:p>
+          <a:p>
+            <a:endParaRPr lang="ko-KR" altLang="en-US" sz="1050" dirty="0"/>
+          </a:p>
+        </p:txBody>
+      </p:sp>
+      <p:sp>
+        <p:nvSpPr>
+          <p:cNvPr id="5" name="TextBox 4"/>
+          <p:cNvSpPr txBox="1"/>
+          <p:nvPr/>
+        </p:nvSpPr>
+        <p:spPr>
+          <a:xfrm>
+            <a:off x="503038" y="1456555"/>
+            <a:ext cx="6211957" cy="5101397"/>
+          </a:xfrm>
+          <a:prstGeom prst="rect">
+            <a:avLst/>
+          </a:prstGeom>
+          <a:noFill/>
+        </p:spPr>
+        <p:txBody>
+          <a:bodyPr wrap="none" rtlCol="0">
+            <a:spAutoFit/>
+          </a:bodyPr>
+          <a:lstStyle/>
+          <a:p>
+            <a:r>
+              <a:rPr lang="en-US" altLang="ko-KR" sz="1050" b="1" dirty="0"/>
+              <a:t>## </a:t>
+            </a:r>
+            <a:r>
+              <a:rPr lang="ko-KR" altLang="en-US" sz="1050" b="1" dirty="0"/>
+              <a:t>프로젝트 목적</a:t>
+            </a:r>
+            <a:endParaRPr lang="ko-KR" altLang="en-US" sz="1050" dirty="0"/>
+          </a:p>
+          <a:p>
+            <a:r>
+              <a:rPr lang="ko-KR" altLang="en-US" sz="1050" dirty="0"/>
+              <a:t>***</a:t>
+            </a:r>
+          </a:p>
+          <a:p>
+            <a:r>
+              <a:rPr lang="ko-KR" altLang="en-US" sz="1050" dirty="0"/>
+              <a:t>    제주 지역별 맛집에 대한 관광객</a:t>
+            </a:r>
+            <a:r>
+              <a:rPr lang="en-US" altLang="ko-KR" sz="1050" dirty="0"/>
+              <a:t>(user)</a:t>
+            </a:r>
+            <a:r>
+              <a:rPr lang="ko-KR" altLang="en-US" sz="1050" dirty="0"/>
+              <a:t>들의 리뷰를 통해</a:t>
+            </a:r>
+          </a:p>
+          <a:p>
+            <a:r>
+              <a:rPr lang="ko-KR" altLang="en-US" sz="1050" dirty="0"/>
+              <a:t>    해당 맛집에 대한 정보 및 평점 등을 얻을 수 있는 사이트입니다</a:t>
+            </a:r>
+            <a:r>
+              <a:rPr lang="en-US" altLang="ko-KR" sz="1050" dirty="0"/>
+              <a:t>.</a:t>
+            </a:r>
+          </a:p>
+          <a:p>
+            <a:r>
+              <a:rPr lang="en-US" altLang="ko-KR" sz="1050" b="1" dirty="0"/>
+              <a:t>#</a:t>
+            </a:r>
+            <a:endParaRPr lang="ko-KR" altLang="en-US" sz="1050" dirty="0"/>
+          </a:p>
+          <a:p>
+            <a:r>
+              <a:rPr lang="en-US" altLang="ko-KR" sz="1050" b="1" dirty="0"/>
+              <a:t>## </a:t>
+            </a:r>
+            <a:r>
+              <a:rPr lang="ko-KR" altLang="en-US" sz="1050" b="1" dirty="0"/>
+              <a:t>프로젝트 설명</a:t>
+            </a:r>
+            <a:endParaRPr lang="ko-KR" altLang="en-US" sz="1050" dirty="0"/>
+          </a:p>
+          <a:p>
+            <a:r>
+              <a:rPr lang="ko-KR" altLang="en-US" sz="1050" dirty="0"/>
+              <a:t>***</a:t>
+            </a:r>
+          </a:p>
+          <a:p>
+            <a:r>
+              <a:rPr lang="ko-KR" altLang="en-US" sz="1050" dirty="0"/>
+              <a:t>    제주도 여행 시 광범위한 정보 내에서 필요한 정보를 빠르게 알아내기란 쉽지 않기 때문에</a:t>
+            </a:r>
+          </a:p>
+          <a:p>
+            <a:r>
+              <a:rPr lang="ko-KR" altLang="en-US" sz="1050" dirty="0"/>
+              <a:t>    최근 방문한 관광객</a:t>
+            </a:r>
+            <a:r>
+              <a:rPr lang="en-US" altLang="ko-KR" sz="1050" dirty="0"/>
+              <a:t>(user)</a:t>
+            </a:r>
+            <a:r>
+              <a:rPr lang="ko-KR" altLang="en-US" sz="1050" dirty="0"/>
+              <a:t>들의 가장 신뢰할 수 있는 최신 정보를 제공하고자 했습니다</a:t>
+            </a:r>
+            <a:r>
+              <a:rPr lang="en-US" altLang="ko-KR" sz="1050" dirty="0"/>
+              <a:t>.</a:t>
+            </a:r>
+          </a:p>
+          <a:p>
+            <a:r>
+              <a:rPr lang="en-US" altLang="ko-KR" sz="1050" dirty="0"/>
+              <a:t/>
+            </a:r>
+            <a:br>
+              <a:rPr lang="en-US" altLang="ko-KR" sz="1050" dirty="0"/>
+            </a:br>
+            <a:r>
+              <a:rPr lang="en-US" altLang="ko-KR" sz="1050" dirty="0"/>
+              <a:t>    </a:t>
+            </a:r>
+            <a:r>
+              <a:rPr lang="ko-KR" altLang="en-US" sz="1050" dirty="0"/>
+              <a:t>제주 지역별 맛집에 대한 관광객</a:t>
+            </a:r>
+            <a:r>
+              <a:rPr lang="en-US" altLang="ko-KR" sz="1050" dirty="0"/>
+              <a:t>(user)</a:t>
+            </a:r>
+            <a:r>
+              <a:rPr lang="ko-KR" altLang="en-US" sz="1050" dirty="0"/>
+              <a:t>들의 후기 공유가 누적될 시</a:t>
+            </a:r>
+            <a:r>
+              <a:rPr lang="en-US" altLang="ko-KR" sz="1050" dirty="0"/>
+              <a:t>,</a:t>
+            </a:r>
+          </a:p>
+          <a:p>
+            <a:r>
+              <a:rPr lang="en-US" altLang="ko-KR" sz="1050" dirty="0"/>
+              <a:t>    </a:t>
+            </a:r>
+            <a:r>
+              <a:rPr lang="ko-KR" altLang="en-US" sz="1050" dirty="0"/>
+              <a:t>해당 사이트는 향후 추가 검증을 통한 맛집 입점이나 </a:t>
+            </a:r>
+          </a:p>
+          <a:p>
+            <a:r>
+              <a:rPr lang="ko-KR" altLang="en-US" sz="1050" dirty="0"/>
+              <a:t>    광고 및 협찬 등을 </a:t>
+            </a:r>
+            <a:r>
+              <a:rPr lang="ko-KR" altLang="en-US" sz="1050" dirty="0" err="1"/>
+              <a:t>제안받을</a:t>
+            </a:r>
+            <a:r>
+              <a:rPr lang="ko-KR" altLang="en-US" sz="1050" dirty="0"/>
+              <a:t> 수도 있을 것입니다</a:t>
+            </a:r>
+            <a:r>
+              <a:rPr lang="en-US" altLang="ko-KR" sz="1050" dirty="0"/>
+              <a:t>. </a:t>
+            </a:r>
+          </a:p>
+          <a:p>
+            <a:r>
+              <a:rPr lang="en-US" altLang="ko-KR" sz="1050" dirty="0"/>
+              <a:t/>
+            </a:r>
+            <a:br>
+              <a:rPr lang="en-US" altLang="ko-KR" sz="1050" dirty="0"/>
+            </a:br>
+            <a:r>
+              <a:rPr lang="en-US" altLang="ko-KR" sz="1050" b="1" dirty="0"/>
+              <a:t>####</a:t>
+            </a:r>
+            <a:endParaRPr lang="ko-KR" altLang="en-US" sz="1050" dirty="0"/>
+          </a:p>
+          <a:p>
+            <a:r>
+              <a:rPr lang="ko-KR" altLang="en-US" sz="1050" dirty="0"/>
+              <a:t/>
+            </a:r>
+            <a:br>
+              <a:rPr lang="ko-KR" altLang="en-US" sz="1050" dirty="0"/>
+            </a:br>
+            <a:r>
+              <a:rPr lang="ko-KR" altLang="en-US" sz="1050" dirty="0"/>
+              <a:t>    </a:t>
+            </a:r>
+            <a:r>
+              <a:rPr lang="en-US" altLang="ko-KR" sz="1050" dirty="0"/>
+              <a:t>1) </a:t>
+            </a:r>
+            <a:r>
+              <a:rPr lang="ko-KR" altLang="en-US" sz="1050" dirty="0"/>
+              <a:t>로그인한 회원만 모든 </a:t>
+            </a:r>
+            <a:r>
+              <a:rPr lang="ko-KR" altLang="en-US" sz="1050" dirty="0" err="1"/>
+              <a:t>게시글에</a:t>
+            </a:r>
+            <a:r>
+              <a:rPr lang="ko-KR" altLang="en-US" sz="1050" dirty="0"/>
+              <a:t> 열람 및 글쓰기 가능</a:t>
+            </a:r>
+            <a:r>
+              <a:rPr lang="en-US" altLang="ko-KR" sz="1050" dirty="0"/>
+              <a:t>. </a:t>
+            </a:r>
+            <a:r>
+              <a:rPr lang="ko-KR" altLang="en-US" sz="1050" dirty="0"/>
+              <a:t>비회원은 열람만 가능</a:t>
+            </a:r>
+            <a:r>
+              <a:rPr lang="en-US" altLang="ko-KR" sz="1050" dirty="0"/>
+              <a:t>.</a:t>
+            </a:r>
+          </a:p>
+          <a:p>
+            <a:r>
+              <a:rPr lang="en-US" altLang="ko-KR" sz="1050" dirty="0"/>
+              <a:t/>
+            </a:r>
+            <a:br>
+              <a:rPr lang="en-US" altLang="ko-KR" sz="1050" dirty="0"/>
+            </a:br>
+            <a:r>
+              <a:rPr lang="en-US" altLang="ko-KR" sz="1050" dirty="0"/>
+              <a:t>    2) &lt;</a:t>
+            </a:r>
+            <a:r>
+              <a:rPr lang="ko-KR" altLang="en-US" sz="1050" dirty="0"/>
+              <a:t>맛집 리스트 보기</a:t>
+            </a:r>
+            <a:r>
+              <a:rPr lang="en-US" altLang="ko-KR" sz="1050" dirty="0"/>
+              <a:t>&gt;</a:t>
+            </a:r>
+            <a:r>
+              <a:rPr lang="ko-KR" altLang="en-US" sz="1050" dirty="0"/>
+              <a:t>는 전체 리스트와 지역별</a:t>
+            </a:r>
+            <a:r>
+              <a:rPr lang="en-US" altLang="ko-KR" sz="1050" dirty="0"/>
+              <a:t>, </a:t>
+            </a:r>
+            <a:r>
+              <a:rPr lang="ko-KR" altLang="en-US" sz="1050" dirty="0" err="1"/>
+              <a:t>음식별</a:t>
+            </a:r>
+            <a:r>
+              <a:rPr lang="ko-KR" altLang="en-US" sz="1050" dirty="0"/>
+              <a:t> 카테고리를 선택해서 볼 수 있도록 구현</a:t>
+            </a:r>
+            <a:r>
+              <a:rPr lang="en-US" altLang="ko-KR" sz="1050" dirty="0"/>
+              <a:t>.</a:t>
+            </a:r>
+          </a:p>
+          <a:p>
+            <a:r>
+              <a:rPr lang="en-US" altLang="ko-KR" sz="1050" dirty="0"/>
+              <a:t/>
+            </a:r>
+            <a:br>
+              <a:rPr lang="en-US" altLang="ko-KR" sz="1050" dirty="0"/>
+            </a:br>
+            <a:r>
+              <a:rPr lang="en-US" altLang="ko-KR" sz="1050" dirty="0"/>
+              <a:t>    3) &lt;</a:t>
+            </a:r>
+            <a:r>
+              <a:rPr lang="ko-KR" altLang="en-US" sz="1050" dirty="0"/>
+              <a:t>맛집 리스트 보기</a:t>
+            </a:r>
+            <a:r>
+              <a:rPr lang="en-US" altLang="ko-KR" sz="1050" dirty="0"/>
+              <a:t>&gt;</a:t>
+            </a:r>
+            <a:r>
+              <a:rPr lang="ko-KR" altLang="en-US" sz="1050" dirty="0"/>
+              <a:t>의 경우 관리자 권한으로 업체 정보 등록</a:t>
+            </a:r>
+            <a:r>
+              <a:rPr lang="en-US" altLang="ko-KR" sz="1050" dirty="0"/>
+              <a:t>.</a:t>
+            </a:r>
+          </a:p>
+          <a:p>
+            <a:r>
+              <a:rPr lang="en-US" altLang="ko-KR" sz="1050" dirty="0"/>
+              <a:t>       </a:t>
+            </a:r>
+            <a:r>
+              <a:rPr lang="ko-KR" altLang="en-US" sz="1050" dirty="0"/>
+              <a:t>해당 지역에 대한 정보 상세페이지를 통해 제공</a:t>
+            </a:r>
+            <a:r>
+              <a:rPr lang="en-US" altLang="ko-KR" sz="1050" dirty="0"/>
+              <a:t>.</a:t>
+            </a:r>
+          </a:p>
+          <a:p>
+            <a:r>
+              <a:rPr lang="en-US" altLang="ko-KR" sz="1050" dirty="0"/>
+              <a:t/>
+            </a:r>
+            <a:br>
+              <a:rPr lang="en-US" altLang="ko-KR" sz="1050" dirty="0"/>
+            </a:br>
+            <a:r>
+              <a:rPr lang="en-US" altLang="ko-KR" sz="1050" dirty="0"/>
+              <a:t>    4) &lt;</a:t>
+            </a:r>
+            <a:r>
+              <a:rPr lang="ko-KR" altLang="en-US" sz="1050" dirty="0"/>
+              <a:t>리뷰</a:t>
+            </a:r>
+            <a:r>
+              <a:rPr lang="en-US" altLang="ko-KR" sz="1050" dirty="0"/>
+              <a:t>&gt; </a:t>
+            </a:r>
+            <a:r>
+              <a:rPr lang="ko-KR" altLang="en-US" sz="1050" dirty="0"/>
+              <a:t>맛집에 대한 후기를 통해 제주도 맛집 정보 확인 </a:t>
+            </a:r>
+            <a:r>
+              <a:rPr lang="en-US" altLang="ko-KR" sz="1050" dirty="0"/>
+              <a:t>(</a:t>
+            </a:r>
+            <a:r>
+              <a:rPr lang="ko-KR" altLang="en-US" sz="1050" dirty="0" err="1"/>
+              <a:t>게시글</a:t>
+            </a:r>
+            <a:r>
+              <a:rPr lang="en-US" altLang="ko-KR" sz="1050" dirty="0"/>
+              <a:t>, </a:t>
+            </a:r>
+            <a:r>
+              <a:rPr lang="ko-KR" altLang="en-US" sz="1050" dirty="0"/>
+              <a:t>이미지</a:t>
+            </a:r>
+            <a:r>
+              <a:rPr lang="en-US" altLang="ko-KR" sz="1050" dirty="0"/>
+              <a:t>, </a:t>
+            </a:r>
+            <a:r>
+              <a:rPr lang="ko-KR" altLang="en-US" sz="1050" dirty="0"/>
+              <a:t>주소 등</a:t>
+            </a:r>
+            <a:r>
+              <a:rPr lang="en-US" altLang="ko-KR" sz="1050" dirty="0"/>
+              <a:t>)</a:t>
+            </a:r>
+          </a:p>
+          <a:p>
+            <a:r>
+              <a:rPr lang="en-US" altLang="ko-KR" sz="1050" dirty="0"/>
+              <a:t/>
+            </a:r>
+            <a:br>
+              <a:rPr lang="en-US" altLang="ko-KR" sz="1050" dirty="0"/>
+            </a:br>
+            <a:r>
+              <a:rPr lang="en-US" altLang="ko-KR" sz="1050" dirty="0"/>
+              <a:t>    5) &lt;</a:t>
+            </a:r>
+            <a:r>
+              <a:rPr lang="ko-KR" altLang="en-US" sz="1050" dirty="0"/>
+              <a:t>공지사항</a:t>
+            </a:r>
+            <a:r>
+              <a:rPr lang="en-US" altLang="ko-KR" sz="1050" dirty="0"/>
+              <a:t>&gt; </a:t>
+            </a:r>
+            <a:r>
+              <a:rPr lang="ko-KR" altLang="en-US" sz="1050" dirty="0" err="1"/>
+              <a:t>리뷰글</a:t>
+            </a:r>
+            <a:r>
+              <a:rPr lang="ko-KR" altLang="en-US" sz="1050" dirty="0"/>
+              <a:t> 이외의 정보 및 관리자 또는 관광객</a:t>
+            </a:r>
+            <a:r>
+              <a:rPr lang="en-US" altLang="ko-KR" sz="1050" dirty="0"/>
+              <a:t>(user)</a:t>
+            </a:r>
+            <a:r>
+              <a:rPr lang="ko-KR" altLang="en-US" sz="1050" dirty="0"/>
+              <a:t>들의 기타 정보에 대한 공유</a:t>
+            </a:r>
+            <a:r>
+              <a:rPr lang="en-US" altLang="ko-KR" sz="1050" dirty="0"/>
+              <a:t>.</a:t>
+            </a:r>
+          </a:p>
+          <a:p>
+            <a:r>
+              <a:rPr lang="en-US" altLang="ko-KR" sz="1050" dirty="0"/>
+              <a:t/>
+            </a:r>
+            <a:br>
+              <a:rPr lang="en-US" altLang="ko-KR" sz="1050" dirty="0"/>
+            </a:br>
+            <a:r>
+              <a:rPr lang="en-US" altLang="ko-KR" sz="1050" dirty="0"/>
+              <a:t>    6) &lt;</a:t>
+            </a:r>
+            <a:r>
+              <a:rPr lang="en-US" altLang="ko-KR" sz="1050" dirty="0" err="1"/>
+              <a:t>QnA</a:t>
+            </a:r>
+            <a:r>
+              <a:rPr lang="en-US" altLang="ko-KR" sz="1050" dirty="0"/>
+              <a:t>&gt; </a:t>
+            </a:r>
+            <a:r>
+              <a:rPr lang="ko-KR" altLang="en-US" sz="1050" dirty="0" err="1"/>
+              <a:t>제주맛집</a:t>
+            </a:r>
+            <a:r>
+              <a:rPr lang="ko-KR" altLang="en-US" sz="1050" dirty="0"/>
+              <a:t> 회원</a:t>
+            </a:r>
+            <a:r>
+              <a:rPr lang="en-US" altLang="ko-KR" sz="1050" dirty="0"/>
+              <a:t>(</a:t>
+            </a:r>
+            <a:r>
+              <a:rPr lang="ko-KR" altLang="en-US" sz="1050" dirty="0"/>
+              <a:t>관광객</a:t>
+            </a:r>
+            <a:r>
+              <a:rPr lang="en-US" altLang="ko-KR" sz="1050" dirty="0"/>
+              <a:t>/user)</a:t>
+            </a:r>
+            <a:r>
+              <a:rPr lang="ko-KR" altLang="en-US" sz="1050" dirty="0"/>
+              <a:t>들과 자유롭게 질문 및 답변</a:t>
+            </a:r>
+            <a:r>
+              <a:rPr lang="en-US" altLang="ko-KR" sz="1050" dirty="0"/>
+              <a:t>.</a:t>
+            </a:r>
+          </a:p>
+          <a:p>
+            <a:r>
+              <a:rPr lang="en-US" altLang="ko-KR" sz="1050" dirty="0"/>
+              <a:t/>
+            </a:r>
+            <a:br>
+              <a:rPr lang="en-US" altLang="ko-KR" sz="1050" dirty="0"/>
+            </a:br>
+            <a:endParaRPr lang="en-US" altLang="ko-KR" sz="1050" dirty="0"/>
+          </a:p>
+          <a:p>
+            <a:endParaRPr lang="ko-KR" altLang="en-US" sz="1050" dirty="0"/>
+          </a:p>
+        </p:txBody>
+      </p:sp>
     </p:spTree>
     <p:extLst>
       <p:ext uri="{BB962C8B-B14F-4D97-AF65-F5344CB8AC3E}">
@@ -6858,9 +7559,9 @@
         <p:grpSpPr>
           <a:xfrm>
             <a:off x="503038" y="767358"/>
-            <a:ext cx="6494989" cy="470294"/>
+            <a:ext cx="3590347" cy="470294"/>
             <a:chOff x="503038" y="767358"/>
-            <a:chExt cx="6494989" cy="470294"/>
+            <a:chExt cx="3590347" cy="470294"/>
           </a:xfrm>
         </p:grpSpPr>
         <p:sp>
@@ -6872,7 +7573,7 @@
           <p:spPr>
             <a:xfrm>
               <a:off x="2865164" y="828520"/>
-              <a:ext cx="4132863" cy="346249"/>
+              <a:ext cx="1228221" cy="346249"/>
             </a:xfrm>
             <a:prstGeom prst="rect">
               <a:avLst/>
@@ -6896,7 +7597,33 @@
                   <a:latin typeface="에스코어 드림 5 Medium" panose="020B0503030302020204" pitchFamily="34" charset="-127"/>
                   <a:ea typeface="에스코어 드림 5 Medium" panose="020B0503030302020204" pitchFamily="34" charset="-127"/>
                 </a:rPr>
-                <a:t>｜ 웹 제주도 맛집 정보 및 리뷰 공유 서비스</a:t>
+                <a:t>｜ </a:t>
+              </a:r>
+              <a:r>
+                <a:rPr lang="en-US" altLang="ko-KR" sz="1650" dirty="0" smtClean="0">
+                  <a:solidFill>
+                    <a:schemeClr val="tx1">
+                      <a:lumMod val="75000"/>
+                      <a:lumOff val="25000"/>
+                    </a:schemeClr>
+                  </a:solidFill>
+                  <a:latin typeface="에스코어 드림 5 Medium" panose="020B0503030302020204" pitchFamily="34" charset="-127"/>
+                  <a:ea typeface="에스코어 드림 5 Medium" panose="020B0503030302020204" pitchFamily="34" charset="-127"/>
+                </a:rPr>
+                <a:t>MAIN </a:t>
+              </a:r>
+              <a:r>
+                <a:rPr lang="ko-KR" altLang="en-US" sz="1650" dirty="0" smtClean="0">
+                  <a:solidFill>
+                    <a:schemeClr val="tx1">
+                      <a:lumMod val="75000"/>
+                      <a:lumOff val="25000"/>
+                    </a:schemeClr>
+                  </a:solidFill>
+                  <a:latin typeface="에스코어 드림 5 Medium" panose="020B0503030302020204" pitchFamily="34" charset="-127"/>
+                  <a:ea typeface="에스코어 드림 5 Medium" panose="020B0503030302020204" pitchFamily="34" charset="-127"/>
+                </a:rPr>
+                <a:t>화면</a:t>
               </a:r>
               <a:endParaRPr lang="ko-KR" altLang="en-US" sz="1650" dirty="0">
                 <a:solidFill>
@@ -7000,35 +7727,537 @@
           </p:pic>
         </p:grpSp>
       </p:grpSp>
-      <p:pic>
-        <p:nvPicPr>
-          <p:cNvPr id="2" name="그림 1"/>
-          <p:cNvPicPr>
-            <a:picLocks noChangeAspect="1"/>
-          </p:cNvPicPr>
+      <p:grpSp>
+        <p:nvGrpSpPr>
+          <p:cNvPr id="6" name="그룹 5"/>
+          <p:cNvGrpSpPr/>
           <p:nvPr/>
-        </p:nvPicPr>
-        <p:blipFill rotWithShape="1">
-          <a:blip r:embed="rId3">
-            <a:extLst>
-              <a:ext uri="{28A0092B-C50C-407E-A947-70E740481C1C}">
-                <a14:useLocalDpi xmlns:a14="http://schemas.microsoft.com/office/drawing/2010/main" val="0"/>
-              </a:ext>
-            </a:extLst>
-          </a:blip>
-          <a:srcRect r="441" b="1316"/>
-          <a:stretch/>
-        </p:blipFill>
+        </p:nvGrpSpPr>
+        <p:grpSpPr>
+          <a:xfrm>
+            <a:off x="590124" y="1543773"/>
+            <a:ext cx="3798995" cy="4834985"/>
+            <a:chOff x="503039" y="1430562"/>
+            <a:chExt cx="4156048" cy="5289407"/>
+          </a:xfrm>
+        </p:grpSpPr>
+        <p:pic>
+          <p:nvPicPr>
+            <p:cNvPr id="3" name="그림 2"/>
+            <p:cNvPicPr>
+              <a:picLocks noChangeAspect="1"/>
+            </p:cNvPicPr>
+            <p:nvPr/>
+          </p:nvPicPr>
+          <p:blipFill>
+            <a:blip r:embed="rId3"/>
+            <a:stretch>
+              <a:fillRect/>
+            </a:stretch>
+          </p:blipFill>
+          <p:spPr>
+            <a:xfrm>
+              <a:off x="503039" y="1430562"/>
+              <a:ext cx="4156048" cy="1852862"/>
+            </a:xfrm>
+            <a:prstGeom prst="rect">
+              <a:avLst/>
+            </a:prstGeom>
+          </p:spPr>
+        </p:pic>
+        <p:pic>
+          <p:nvPicPr>
+            <p:cNvPr id="4" name="그림 3"/>
+            <p:cNvPicPr>
+              <a:picLocks noChangeAspect="1"/>
+            </p:cNvPicPr>
+            <p:nvPr/>
+          </p:nvPicPr>
+          <p:blipFill>
+            <a:blip r:embed="rId4"/>
+            <a:stretch>
+              <a:fillRect/>
+            </a:stretch>
+          </p:blipFill>
+          <p:spPr>
+            <a:xfrm>
+              <a:off x="510677" y="3283425"/>
+              <a:ext cx="3991654" cy="1618736"/>
+            </a:xfrm>
+            <a:prstGeom prst="rect">
+              <a:avLst/>
+            </a:prstGeom>
+          </p:spPr>
+        </p:pic>
+        <p:pic>
+          <p:nvPicPr>
+            <p:cNvPr id="5" name="그림 4"/>
+            <p:cNvPicPr>
+              <a:picLocks noChangeAspect="1"/>
+            </p:cNvPicPr>
+            <p:nvPr/>
+          </p:nvPicPr>
+          <p:blipFill>
+            <a:blip r:embed="rId5"/>
+            <a:stretch>
+              <a:fillRect/>
+            </a:stretch>
+          </p:blipFill>
+          <p:spPr>
+            <a:xfrm>
+              <a:off x="815612" y="4902161"/>
+              <a:ext cx="3686719" cy="1817808"/>
+            </a:xfrm>
+            <a:prstGeom prst="rect">
+              <a:avLst/>
+            </a:prstGeom>
+          </p:spPr>
+        </p:pic>
+      </p:grpSp>
+      <p:sp>
+        <p:nvSpPr>
+          <p:cNvPr id="7" name="직사각형 6"/>
+          <p:cNvSpPr/>
+          <p:nvPr/>
+        </p:nvSpPr>
         <p:spPr>
           <a:xfrm>
-            <a:off x="1083425" y="1918270"/>
-            <a:ext cx="10014065" cy="3759323"/>
+            <a:off x="1811383" y="1463040"/>
+            <a:ext cx="2282002" cy="296091"/>
           </a:xfrm>
           <a:prstGeom prst="rect">
             <a:avLst/>
           </a:prstGeom>
+          <a:noFill/>
+          <a:ln w="38100">
+            <a:solidFill>
+              <a:srgbClr val="FF0000"/>
+            </a:solidFill>
+          </a:ln>
         </p:spPr>
-      </p:pic>
+        <p:style>
+          <a:lnRef idx="2">
+            <a:schemeClr val="accent1">
+              <a:shade val="50000"/>
+            </a:schemeClr>
+          </a:lnRef>
+          <a:fillRef idx="1">
+            <a:schemeClr val="accent1"/>
+          </a:fillRef>
+          <a:effectRef idx="0">
+            <a:schemeClr val="accent1"/>
+          </a:effectRef>
+          <a:fontRef idx="minor">
+            <a:schemeClr val="lt1"/>
+          </a:fontRef>
+        </p:style>
+        <p:txBody>
+          <a:bodyPr rtlCol="0" anchor="ctr"/>
+          <a:lstStyle/>
+          <a:p>
+            <a:pPr algn="ctr"/>
+            <a:endParaRPr lang="ko-KR" altLang="en-US"/>
+          </a:p>
+        </p:txBody>
+      </p:sp>
+      <p:cxnSp>
+        <p:nvCxnSpPr>
+          <p:cNvPr id="9" name="직선 연결선 8"/>
+          <p:cNvCxnSpPr/>
+          <p:nvPr/>
+        </p:nvCxnSpPr>
+        <p:spPr>
+          <a:xfrm>
+            <a:off x="4093385" y="1606656"/>
+            <a:ext cx="1697815" cy="0"/>
+          </a:xfrm>
+          <a:prstGeom prst="line">
+            <a:avLst/>
+          </a:prstGeom>
+          <a:ln>
+            <a:solidFill>
+              <a:srgbClr val="FF0000"/>
+            </a:solidFill>
+          </a:ln>
+        </p:spPr>
+        <p:style>
+          <a:lnRef idx="1">
+            <a:schemeClr val="accent1"/>
+          </a:lnRef>
+          <a:fillRef idx="0">
+            <a:schemeClr val="accent1"/>
+          </a:fillRef>
+          <a:effectRef idx="0">
+            <a:schemeClr val="accent1"/>
+          </a:effectRef>
+          <a:fontRef idx="minor">
+            <a:schemeClr val="tx1"/>
+          </a:fontRef>
+        </p:style>
+      </p:cxnSp>
+      <p:sp>
+        <p:nvSpPr>
+          <p:cNvPr id="10" name="TextBox 9"/>
+          <p:cNvSpPr txBox="1"/>
+          <p:nvPr/>
+        </p:nvSpPr>
+        <p:spPr>
+          <a:xfrm>
+            <a:off x="6096000" y="1235933"/>
+            <a:ext cx="2590774" cy="1015663"/>
+          </a:xfrm>
+          <a:prstGeom prst="rect">
+            <a:avLst/>
+          </a:prstGeom>
+          <a:noFill/>
+        </p:spPr>
+        <p:txBody>
+          <a:bodyPr wrap="none" rtlCol="0">
+            <a:spAutoFit/>
+          </a:bodyPr>
+          <a:lstStyle/>
+          <a:p>
+            <a:r>
+              <a:rPr lang="ko-KR" altLang="en-US" sz="1200" dirty="0" err="1" smtClean="0"/>
+              <a:t>맛집리스트</a:t>
+            </a:r>
+            <a:r>
+              <a:rPr lang="ko-KR" altLang="en-US" sz="1200" dirty="0"/>
+              <a:t> </a:t>
+            </a:r>
+            <a:r>
+              <a:rPr lang="en-US" altLang="ko-KR" sz="1200" dirty="0" smtClean="0"/>
+              <a:t>: </a:t>
+            </a:r>
+            <a:r>
+              <a:rPr lang="ko-KR" altLang="en-US" sz="1200" dirty="0" err="1" smtClean="0"/>
+              <a:t>맛집리스트</a:t>
+            </a:r>
+            <a:r>
+              <a:rPr lang="ko-KR" altLang="en-US" sz="1200" dirty="0" smtClean="0"/>
+              <a:t> 전체 보기</a:t>
+            </a:r>
+            <a:endParaRPr lang="en-US" altLang="ko-KR" sz="1200" dirty="0" smtClean="0"/>
+          </a:p>
+          <a:p>
+            <a:r>
+              <a:rPr lang="ko-KR" altLang="en-US" sz="1200" dirty="0" smtClean="0"/>
+              <a:t>공지사항 </a:t>
+            </a:r>
+            <a:r>
+              <a:rPr lang="en-US" altLang="ko-KR" sz="1200" dirty="0" smtClean="0"/>
+              <a:t>: </a:t>
+            </a:r>
+            <a:r>
+              <a:rPr lang="ko-KR" altLang="en-US" sz="1200" dirty="0" smtClean="0"/>
+              <a:t>공지사항 전체 보기</a:t>
+            </a:r>
+            <a:endParaRPr lang="en-US" altLang="ko-KR" sz="1200" dirty="0" smtClean="0"/>
+          </a:p>
+          <a:p>
+            <a:r>
+              <a:rPr lang="en-US" altLang="ko-KR" sz="1200" dirty="0" err="1" smtClean="0"/>
+              <a:t>QnA</a:t>
+            </a:r>
+            <a:r>
+              <a:rPr lang="en-US" altLang="ko-KR" sz="1200" dirty="0" smtClean="0"/>
+              <a:t> : </a:t>
+            </a:r>
+            <a:r>
+              <a:rPr lang="ko-KR" altLang="en-US" sz="1200" dirty="0" smtClean="0"/>
+              <a:t>질문답변 전체 보기</a:t>
+            </a:r>
+            <a:endParaRPr lang="en-US" altLang="ko-KR" sz="1200" dirty="0" smtClean="0"/>
+          </a:p>
+          <a:p>
+            <a:r>
+              <a:rPr lang="ko-KR" altLang="en-US" sz="1200" dirty="0" smtClean="0"/>
+              <a:t>로그인 </a:t>
+            </a:r>
+            <a:r>
+              <a:rPr lang="en-US" altLang="ko-KR" sz="1200" dirty="0" smtClean="0"/>
+              <a:t>: </a:t>
+            </a:r>
+            <a:r>
+              <a:rPr lang="ko-KR" altLang="en-US" sz="1200" dirty="0" smtClean="0"/>
+              <a:t>로그인 화면</a:t>
+            </a:r>
+            <a:endParaRPr lang="en-US" altLang="ko-KR" sz="1200" dirty="0" smtClean="0"/>
+          </a:p>
+          <a:p>
+            <a:r>
+              <a:rPr lang="ko-KR" altLang="en-US" sz="1200" dirty="0" smtClean="0"/>
+              <a:t>회원가입 </a:t>
+            </a:r>
+            <a:r>
+              <a:rPr lang="en-US" altLang="ko-KR" sz="1200" dirty="0" smtClean="0"/>
+              <a:t>: </a:t>
+            </a:r>
+            <a:r>
+              <a:rPr lang="ko-KR" altLang="en-US" sz="1200" dirty="0" smtClean="0"/>
+              <a:t>회원가입 화면</a:t>
+            </a:r>
+            <a:endParaRPr lang="ko-KR" altLang="en-US" sz="1200" dirty="0"/>
+          </a:p>
+        </p:txBody>
+      </p:sp>
+      <p:sp>
+        <p:nvSpPr>
+          <p:cNvPr id="20" name="직사각형 19"/>
+          <p:cNvSpPr/>
+          <p:nvPr/>
+        </p:nvSpPr>
+        <p:spPr>
+          <a:xfrm>
+            <a:off x="670381" y="3305307"/>
+            <a:ext cx="3492315" cy="1411813"/>
+          </a:xfrm>
+          <a:prstGeom prst="rect">
+            <a:avLst/>
+          </a:prstGeom>
+          <a:noFill/>
+          <a:ln w="38100">
+            <a:solidFill>
+              <a:srgbClr val="FF0000"/>
+            </a:solidFill>
+          </a:ln>
+        </p:spPr>
+        <p:style>
+          <a:lnRef idx="2">
+            <a:schemeClr val="accent1">
+              <a:shade val="50000"/>
+            </a:schemeClr>
+          </a:lnRef>
+          <a:fillRef idx="1">
+            <a:schemeClr val="accent1"/>
+          </a:fillRef>
+          <a:effectRef idx="0">
+            <a:schemeClr val="accent1"/>
+          </a:effectRef>
+          <a:fontRef idx="minor">
+            <a:schemeClr val="lt1"/>
+          </a:fontRef>
+        </p:style>
+        <p:txBody>
+          <a:bodyPr rtlCol="0" anchor="ctr"/>
+          <a:lstStyle/>
+          <a:p>
+            <a:pPr algn="ctr"/>
+            <a:endParaRPr lang="ko-KR" altLang="en-US"/>
+          </a:p>
+        </p:txBody>
+      </p:sp>
+      <p:cxnSp>
+        <p:nvCxnSpPr>
+          <p:cNvPr id="21" name="직선 연결선 20"/>
+          <p:cNvCxnSpPr>
+            <a:stCxn id="20" idx="3"/>
+          </p:cNvCxnSpPr>
+          <p:nvPr/>
+        </p:nvCxnSpPr>
+        <p:spPr>
+          <a:xfrm flipV="1">
+            <a:off x="4162696" y="4011213"/>
+            <a:ext cx="1628504" cy="1"/>
+          </a:xfrm>
+          <a:prstGeom prst="line">
+            <a:avLst/>
+          </a:prstGeom>
+          <a:ln>
+            <a:solidFill>
+              <a:srgbClr val="FF0000"/>
+            </a:solidFill>
+          </a:ln>
+        </p:spPr>
+        <p:style>
+          <a:lnRef idx="1">
+            <a:schemeClr val="accent1"/>
+          </a:lnRef>
+          <a:fillRef idx="0">
+            <a:schemeClr val="accent1"/>
+          </a:fillRef>
+          <a:effectRef idx="0">
+            <a:schemeClr val="accent1"/>
+          </a:effectRef>
+          <a:fontRef idx="minor">
+            <a:schemeClr val="tx1"/>
+          </a:fontRef>
+        </p:style>
+      </p:cxnSp>
+      <p:sp>
+        <p:nvSpPr>
+          <p:cNvPr id="26" name="TextBox 25"/>
+          <p:cNvSpPr txBox="1"/>
+          <p:nvPr/>
+        </p:nvSpPr>
+        <p:spPr>
+          <a:xfrm>
+            <a:off x="6096000" y="3746454"/>
+            <a:ext cx="2611612" cy="461665"/>
+          </a:xfrm>
+          <a:prstGeom prst="rect">
+            <a:avLst/>
+          </a:prstGeom>
+          <a:noFill/>
+        </p:spPr>
+        <p:txBody>
+          <a:bodyPr wrap="none" rtlCol="0">
+            <a:spAutoFit/>
+          </a:bodyPr>
+          <a:lstStyle/>
+          <a:p>
+            <a:r>
+              <a:rPr lang="ko-KR" altLang="en-US" sz="1200" dirty="0" smtClean="0"/>
+              <a:t>맛집 리스트 중 추천수가 가장 많은</a:t>
+            </a:r>
+            <a:endParaRPr lang="en-US" altLang="ko-KR" sz="1200" dirty="0" smtClean="0"/>
+          </a:p>
+          <a:p>
+            <a:r>
+              <a:rPr lang="en-US" altLang="ko-KR" sz="1200" dirty="0" smtClean="0"/>
+              <a:t>TOP3 </a:t>
+            </a:r>
+            <a:r>
+              <a:rPr lang="ko-KR" altLang="en-US" sz="1200" dirty="0" smtClean="0"/>
+              <a:t>리스트 노출</a:t>
+            </a:r>
+            <a:endParaRPr lang="ko-KR" altLang="en-US" sz="1200" dirty="0"/>
+          </a:p>
+        </p:txBody>
+      </p:sp>
+      <p:sp>
+        <p:nvSpPr>
+          <p:cNvPr id="27" name="직사각형 26"/>
+          <p:cNvSpPr/>
+          <p:nvPr/>
+        </p:nvSpPr>
+        <p:spPr>
+          <a:xfrm>
+            <a:off x="702009" y="5003957"/>
+            <a:ext cx="3492315" cy="1411813"/>
+          </a:xfrm>
+          <a:prstGeom prst="rect">
+            <a:avLst/>
+          </a:prstGeom>
+          <a:noFill/>
+          <a:ln w="38100">
+            <a:solidFill>
+              <a:srgbClr val="FF0000"/>
+            </a:solidFill>
+          </a:ln>
+        </p:spPr>
+        <p:style>
+          <a:lnRef idx="2">
+            <a:schemeClr val="accent1">
+              <a:shade val="50000"/>
+            </a:schemeClr>
+          </a:lnRef>
+          <a:fillRef idx="1">
+            <a:schemeClr val="accent1"/>
+          </a:fillRef>
+          <a:effectRef idx="0">
+            <a:schemeClr val="accent1"/>
+          </a:effectRef>
+          <a:fontRef idx="minor">
+            <a:schemeClr val="lt1"/>
+          </a:fontRef>
+        </p:style>
+        <p:txBody>
+          <a:bodyPr rtlCol="0" anchor="ctr"/>
+          <a:lstStyle/>
+          <a:p>
+            <a:pPr algn="ctr"/>
+            <a:endParaRPr lang="ko-KR" altLang="en-US"/>
+          </a:p>
+        </p:txBody>
+      </p:sp>
+      <p:cxnSp>
+        <p:nvCxnSpPr>
+          <p:cNvPr id="28" name="직선 연결선 27"/>
+          <p:cNvCxnSpPr>
+            <a:stCxn id="27" idx="3"/>
+          </p:cNvCxnSpPr>
+          <p:nvPr/>
+        </p:nvCxnSpPr>
+        <p:spPr>
+          <a:xfrm flipV="1">
+            <a:off x="4194324" y="5709863"/>
+            <a:ext cx="1628504" cy="1"/>
+          </a:xfrm>
+          <a:prstGeom prst="line">
+            <a:avLst/>
+          </a:prstGeom>
+          <a:ln>
+            <a:solidFill>
+              <a:srgbClr val="FF0000"/>
+            </a:solidFill>
+          </a:ln>
+        </p:spPr>
+        <p:style>
+          <a:lnRef idx="1">
+            <a:schemeClr val="accent1"/>
+          </a:lnRef>
+          <a:fillRef idx="0">
+            <a:schemeClr val="accent1"/>
+          </a:fillRef>
+          <a:effectRef idx="0">
+            <a:schemeClr val="accent1"/>
+          </a:effectRef>
+          <a:fontRef idx="minor">
+            <a:schemeClr val="tx1"/>
+          </a:fontRef>
+        </p:style>
+      </p:cxnSp>
+      <p:sp>
+        <p:nvSpPr>
+          <p:cNvPr id="29" name="TextBox 28"/>
+          <p:cNvSpPr txBox="1"/>
+          <p:nvPr/>
+        </p:nvSpPr>
+        <p:spPr>
+          <a:xfrm>
+            <a:off x="6096000" y="5479030"/>
+            <a:ext cx="4645824" cy="276999"/>
+          </a:xfrm>
+          <a:prstGeom prst="rect">
+            <a:avLst/>
+          </a:prstGeom>
+          <a:noFill/>
+        </p:spPr>
+        <p:txBody>
+          <a:bodyPr wrap="none" rtlCol="0">
+            <a:spAutoFit/>
+          </a:bodyPr>
+          <a:lstStyle/>
+          <a:p>
+            <a:r>
+              <a:rPr lang="ko-KR" altLang="en-US" sz="1200" dirty="0" smtClean="0"/>
+              <a:t>맛집 리스트 </a:t>
+            </a:r>
+            <a:r>
+              <a:rPr lang="ko-KR" altLang="en-US" sz="1200" dirty="0" err="1" smtClean="0"/>
+              <a:t>카테고리별</a:t>
+            </a:r>
+            <a:r>
+              <a:rPr lang="ko-KR" altLang="en-US" sz="1200" dirty="0" smtClean="0"/>
+              <a:t> 최신으로 등록된 맛집 리스트 노출 </a:t>
+            </a:r>
+            <a:r>
+              <a:rPr lang="en-US" altLang="ko-KR" sz="1200" dirty="0" smtClean="0"/>
+              <a:t>(5</a:t>
+            </a:r>
+            <a:r>
+              <a:rPr lang="ko-KR" altLang="en-US" sz="1200" dirty="0" smtClean="0"/>
+              <a:t>개</a:t>
+            </a:r>
+            <a:r>
+              <a:rPr lang="en-US" altLang="ko-KR" sz="1200" dirty="0" smtClean="0"/>
+              <a:t>)</a:t>
+            </a:r>
+            <a:endParaRPr lang="ko-KR" altLang="en-US" sz="1200" dirty="0"/>
+          </a:p>
+        </p:txBody>
+      </p:sp>
     </p:spTree>
     <p:extLst>
       <p:ext uri="{BB962C8B-B14F-4D97-AF65-F5344CB8AC3E}">
@@ -7050,6 +8279,2110 @@
 </file>
 
 <file path=ppt/slides/slide6.xml><?xml version="1.0" encoding="utf-8"?>
+<p:sld xmlns:a="http://schemas.openxmlformats.org/drawingml/2006/main" xmlns:r="http://schemas.openxmlformats.org/officeDocument/2006/relationships" xmlns:p="http://schemas.openxmlformats.org/presentationml/2006/main">
+  <p:cSld>
+    <p:spTree>
+      <p:nvGrpSpPr>
+        <p:cNvPr id="1" name=""/>
+        <p:cNvGrpSpPr/>
+        <p:nvPr/>
+      </p:nvGrpSpPr>
+      <p:grpSpPr>
+        <a:xfrm>
+          <a:off x="0" y="0"/>
+          <a:ext cx="0" cy="0"/>
+          <a:chOff x="0" y="0"/>
+          <a:chExt cx="0" cy="0"/>
+        </a:xfrm>
+      </p:grpSpPr>
+      <p:grpSp>
+        <p:nvGrpSpPr>
+          <p:cNvPr id="2" name="그룹 1"/>
+          <p:cNvGrpSpPr/>
+          <p:nvPr/>
+        </p:nvGrpSpPr>
+        <p:grpSpPr>
+          <a:xfrm>
+            <a:off x="885172" y="212026"/>
+            <a:ext cx="10421656" cy="369332"/>
+            <a:chOff x="853960" y="212026"/>
+            <a:chExt cx="10421656" cy="369332"/>
+          </a:xfrm>
+        </p:grpSpPr>
+        <p:sp>
+          <p:nvSpPr>
+            <p:cNvPr id="3" name="TextBox 2"/>
+            <p:cNvSpPr txBox="1"/>
+            <p:nvPr/>
+          </p:nvSpPr>
+          <p:spPr>
+            <a:xfrm>
+              <a:off x="853960" y="212026"/>
+              <a:ext cx="1136850" cy="369332"/>
+            </a:xfrm>
+            <a:prstGeom prst="rect">
+              <a:avLst/>
+            </a:prstGeom>
+            <a:noFill/>
+          </p:spPr>
+          <p:txBody>
+            <a:bodyPr wrap="none" rtlCol="0">
+              <a:spAutoFit/>
+            </a:bodyPr>
+            <a:lstStyle/>
+            <a:p>
+              <a:pPr algn="ctr"/>
+              <a:r>
+                <a:rPr lang="ko-KR" altLang="en-US" dirty="0">
+                  <a:solidFill>
+                    <a:schemeClr val="bg2">
+                      <a:lumMod val="90000"/>
+                      <a:alpha val="50000"/>
+                    </a:schemeClr>
+                  </a:solidFill>
+                  <a:latin typeface="에스코어 드림 7 ExtraBold" panose="020B0803030302020204" pitchFamily="34" charset="-127"/>
+                  <a:ea typeface="에스코어 드림 7 ExtraBold" panose="020B0803030302020204" pitchFamily="34" charset="-127"/>
+                </a:rPr>
+                <a:t>팀원 소개</a:t>
+              </a:r>
+            </a:p>
+          </p:txBody>
+        </p:sp>
+        <p:sp>
+          <p:nvSpPr>
+            <p:cNvPr id="4" name="TextBox 3"/>
+            <p:cNvSpPr txBox="1"/>
+            <p:nvPr/>
+          </p:nvSpPr>
+          <p:spPr>
+            <a:xfrm>
+              <a:off x="5275149" y="212026"/>
+              <a:ext cx="1579279" cy="369332"/>
+            </a:xfrm>
+            <a:prstGeom prst="rect">
+              <a:avLst/>
+            </a:prstGeom>
+            <a:noFill/>
+          </p:spPr>
+          <p:txBody>
+            <a:bodyPr wrap="none" rtlCol="0">
+              <a:spAutoFit/>
+            </a:bodyPr>
+            <a:lstStyle/>
+            <a:p>
+              <a:pPr algn="ctr"/>
+              <a:r>
+                <a:rPr lang="ko-KR" altLang="en-US" dirty="0">
+                  <a:solidFill>
+                    <a:schemeClr val="bg2">
+                      <a:lumMod val="90000"/>
+                      <a:alpha val="50000"/>
+                    </a:schemeClr>
+                  </a:solidFill>
+                  <a:latin typeface="에스코어 드림 7 ExtraBold" panose="020B0803030302020204" pitchFamily="34" charset="-127"/>
+                  <a:ea typeface="에스코어 드림 7 ExtraBold" panose="020B0803030302020204" pitchFamily="34" charset="-127"/>
+                </a:rPr>
+                <a:t>개발 프로젝트</a:t>
+              </a:r>
+            </a:p>
+          </p:txBody>
+        </p:sp>
+        <p:sp>
+          <p:nvSpPr>
+            <p:cNvPr id="5" name="TextBox 4"/>
+            <p:cNvSpPr txBox="1"/>
+            <p:nvPr/>
+          </p:nvSpPr>
+          <p:spPr>
+            <a:xfrm>
+              <a:off x="10138766" y="212026"/>
+              <a:ext cx="1136850" cy="369332"/>
+            </a:xfrm>
+            <a:prstGeom prst="rect">
+              <a:avLst/>
+            </a:prstGeom>
+            <a:noFill/>
+          </p:spPr>
+          <p:txBody>
+            <a:bodyPr wrap="none" rtlCol="0">
+              <a:spAutoFit/>
+            </a:bodyPr>
+            <a:lstStyle/>
+            <a:p>
+              <a:pPr algn="ctr"/>
+              <a:r>
+                <a:rPr lang="ko-KR" altLang="en-US" dirty="0" smtClean="0">
+                  <a:solidFill>
+                    <a:schemeClr val="bg1"/>
+                  </a:solidFill>
+                  <a:latin typeface="에스코어 드림 7 ExtraBold" panose="020B0803030302020204" pitchFamily="34" charset="-127"/>
+                  <a:ea typeface="에스코어 드림 7 ExtraBold" panose="020B0803030302020204" pitchFamily="34" charset="-127"/>
+                </a:rPr>
+                <a:t>주요 기능</a:t>
+              </a:r>
+              <a:endParaRPr lang="ko-KR" altLang="en-US" dirty="0">
+                <a:solidFill>
+                  <a:schemeClr val="bg1"/>
+                </a:solidFill>
+                <a:latin typeface="에스코어 드림 7 ExtraBold" panose="020B0803030302020204" pitchFamily="34" charset="-127"/>
+                <a:ea typeface="에스코어 드림 7 ExtraBold" panose="020B0803030302020204" pitchFamily="34" charset="-127"/>
+              </a:endParaRPr>
+            </a:p>
+          </p:txBody>
+        </p:sp>
+      </p:grpSp>
+      <p:grpSp>
+        <p:nvGrpSpPr>
+          <p:cNvPr id="6" name="그룹 5"/>
+          <p:cNvGrpSpPr/>
+          <p:nvPr/>
+        </p:nvGrpSpPr>
+        <p:grpSpPr>
+          <a:xfrm>
+            <a:off x="503038" y="767358"/>
+            <a:ext cx="3858048" cy="470294"/>
+            <a:chOff x="503038" y="767358"/>
+            <a:chExt cx="3858048" cy="470294"/>
+          </a:xfrm>
+        </p:grpSpPr>
+        <p:sp>
+          <p:nvSpPr>
+            <p:cNvPr id="7" name="TextBox 6"/>
+            <p:cNvSpPr txBox="1"/>
+            <p:nvPr/>
+          </p:nvSpPr>
+          <p:spPr>
+            <a:xfrm>
+              <a:off x="2865164" y="828520"/>
+              <a:ext cx="1495922" cy="346249"/>
+            </a:xfrm>
+            <a:prstGeom prst="rect">
+              <a:avLst/>
+            </a:prstGeom>
+            <a:noFill/>
+          </p:spPr>
+          <p:txBody>
+            <a:bodyPr wrap="none" rtlCol="0">
+              <a:spAutoFit/>
+            </a:bodyPr>
+            <a:lstStyle/>
+            <a:p>
+              <a:r>
+                <a:rPr lang="ko-KR" altLang="en-US" sz="1650" dirty="0" smtClean="0">
+                  <a:solidFill>
+                    <a:schemeClr val="tx1">
+                      <a:lumMod val="75000"/>
+                      <a:lumOff val="25000"/>
+                    </a:schemeClr>
+                  </a:solidFill>
+                  <a:latin typeface="에스코어 드림 5 Medium" panose="020B0503030302020204" pitchFamily="34" charset="-127"/>
+                  <a:ea typeface="에스코어 드림 5 Medium" panose="020B0503030302020204" pitchFamily="34" charset="-127"/>
+                </a:rPr>
+                <a:t>｜ </a:t>
+              </a:r>
+              <a:r>
+                <a:rPr lang="ko-KR" altLang="en-US" sz="1650" dirty="0" err="1" smtClean="0">
+                  <a:solidFill>
+                    <a:schemeClr val="tx1">
+                      <a:lumMod val="75000"/>
+                      <a:lumOff val="25000"/>
+                    </a:schemeClr>
+                  </a:solidFill>
+                  <a:latin typeface="에스코어 드림 5 Medium" panose="020B0503030302020204" pitchFamily="34" charset="-127"/>
+                  <a:ea typeface="에스코어 드림 5 Medium" panose="020B0503030302020204" pitchFamily="34" charset="-127"/>
+                </a:rPr>
+                <a:t>맛집리스트</a:t>
+              </a:r>
+              <a:endParaRPr lang="ko-KR" altLang="en-US" sz="1650" dirty="0">
+                <a:solidFill>
+                  <a:schemeClr val="tx1">
+                    <a:lumMod val="75000"/>
+                    <a:lumOff val="25000"/>
+                  </a:schemeClr>
+                </a:solidFill>
+                <a:latin typeface="에스코어 드림 5 Medium" panose="020B0503030302020204" pitchFamily="34" charset="-127"/>
+                <a:ea typeface="에스코어 드림 5 Medium" panose="020B0503030302020204" pitchFamily="34" charset="-127"/>
+              </a:endParaRPr>
+            </a:p>
+          </p:txBody>
+        </p:sp>
+        <p:grpSp>
+          <p:nvGrpSpPr>
+            <p:cNvPr id="8" name="그룹 7"/>
+            <p:cNvGrpSpPr/>
+            <p:nvPr/>
+          </p:nvGrpSpPr>
+          <p:grpSpPr>
+            <a:xfrm>
+              <a:off x="503038" y="767358"/>
+              <a:ext cx="2362126" cy="470294"/>
+              <a:chOff x="474009" y="733975"/>
+              <a:chExt cx="2362126" cy="470294"/>
+            </a:xfrm>
+          </p:grpSpPr>
+          <p:sp>
+            <p:nvSpPr>
+              <p:cNvPr id="9" name="TextBox 8"/>
+              <p:cNvSpPr txBox="1"/>
+              <p:nvPr/>
+            </p:nvSpPr>
+            <p:spPr>
+              <a:xfrm>
+                <a:off x="864120" y="742604"/>
+                <a:ext cx="1972015" cy="461665"/>
+              </a:xfrm>
+              <a:prstGeom prst="rect">
+                <a:avLst/>
+              </a:prstGeom>
+              <a:noFill/>
+            </p:spPr>
+            <p:txBody>
+              <a:bodyPr wrap="none" rtlCol="0">
+                <a:spAutoFit/>
+              </a:bodyPr>
+              <a:lstStyle/>
+              <a:p>
+                <a:r>
+                  <a:rPr lang="en-US" altLang="ko-KR" sz="2400" dirty="0" err="1" smtClean="0">
+                    <a:solidFill>
+                      <a:srgbClr val="333F50"/>
+                    </a:solidFill>
+                    <a:latin typeface="Leferi Point Type Black" panose="020B0A03000000000000" pitchFamily="34" charset="-127"/>
+                    <a:ea typeface="Leferi Point Type Black" panose="020B0A03000000000000" pitchFamily="34" charset="-127"/>
+                  </a:rPr>
+                  <a:t>JejuMatjip</a:t>
+                </a:r>
+                <a:endParaRPr lang="ko-KR" altLang="en-US" sz="2400" dirty="0">
+                  <a:solidFill>
+                    <a:srgbClr val="333F50"/>
+                  </a:solidFill>
+                  <a:latin typeface="Leferi Point Type Black" panose="020B0A03000000000000" pitchFamily="34" charset="-127"/>
+                  <a:ea typeface="Leferi Point Type Black" panose="020B0A03000000000000" pitchFamily="34" charset="-127"/>
+                </a:endParaRPr>
+              </a:p>
+            </p:txBody>
+          </p:sp>
+          <p:pic>
+            <p:nvPicPr>
+              <p:cNvPr id="10" name="그림 9"/>
+              <p:cNvPicPr>
+                <a:picLocks noChangeAspect="1"/>
+              </p:cNvPicPr>
+              <p:nvPr/>
+            </p:nvPicPr>
+            <p:blipFill>
+              <a:blip r:embed="rId2" cstate="print">
+                <a:lum bright="70000" contrast="-70000"/>
+                <a:extLst>
+                  <a:ext uri="{28A0092B-C50C-407E-A947-70E740481C1C}">
+                    <a14:useLocalDpi xmlns:a14="http://schemas.microsoft.com/office/drawing/2010/main" val="0"/>
+                  </a:ext>
+                </a:extLst>
+              </a:blip>
+              <a:stretch>
+                <a:fillRect/>
+              </a:stretch>
+            </p:blipFill>
+            <p:spPr>
+              <a:xfrm>
+                <a:off x="474009" y="733975"/>
+                <a:ext cx="390631" cy="468575"/>
+              </a:xfrm>
+              <a:prstGeom prst="rect">
+                <a:avLst/>
+              </a:prstGeom>
+            </p:spPr>
+          </p:pic>
+        </p:grpSp>
+      </p:grpSp>
+      <p:pic>
+        <p:nvPicPr>
+          <p:cNvPr id="38" name="그림 37"/>
+          <p:cNvPicPr>
+            <a:picLocks noChangeAspect="1"/>
+          </p:cNvPicPr>
+          <p:nvPr/>
+        </p:nvPicPr>
+        <p:blipFill>
+          <a:blip r:embed="rId3"/>
+          <a:stretch>
+            <a:fillRect/>
+          </a:stretch>
+        </p:blipFill>
+        <p:spPr>
+          <a:xfrm>
+            <a:off x="1315063" y="2142309"/>
+            <a:ext cx="4327238" cy="3474720"/>
+          </a:xfrm>
+          <a:prstGeom prst="rect">
+            <a:avLst/>
+          </a:prstGeom>
+        </p:spPr>
+      </p:pic>
+      <p:pic>
+        <p:nvPicPr>
+          <p:cNvPr id="39" name="그림 38"/>
+          <p:cNvPicPr>
+            <a:picLocks noChangeAspect="1"/>
+          </p:cNvPicPr>
+          <p:nvPr/>
+        </p:nvPicPr>
+        <p:blipFill>
+          <a:blip r:embed="rId4"/>
+          <a:stretch>
+            <a:fillRect/>
+          </a:stretch>
+        </p:blipFill>
+        <p:spPr>
+          <a:xfrm>
+            <a:off x="7158843" y="2142309"/>
+            <a:ext cx="3011135" cy="3474720"/>
+          </a:xfrm>
+          <a:prstGeom prst="rect">
+            <a:avLst/>
+          </a:prstGeom>
+        </p:spPr>
+      </p:pic>
+      <p:pic>
+        <p:nvPicPr>
+          <p:cNvPr id="40" name="그림 39"/>
+          <p:cNvPicPr>
+            <a:picLocks noChangeAspect="1"/>
+          </p:cNvPicPr>
+          <p:nvPr/>
+        </p:nvPicPr>
+        <p:blipFill>
+          <a:blip r:embed="rId5"/>
+          <a:stretch>
+            <a:fillRect/>
+          </a:stretch>
+        </p:blipFill>
+        <p:spPr>
+          <a:xfrm>
+            <a:off x="7158843" y="5617030"/>
+            <a:ext cx="3011135" cy="1010912"/>
+          </a:xfrm>
+          <a:prstGeom prst="rect">
+            <a:avLst/>
+          </a:prstGeom>
+        </p:spPr>
+      </p:pic>
+      <p:sp>
+        <p:nvSpPr>
+          <p:cNvPr id="41" name="직사각형 40"/>
+          <p:cNvSpPr/>
+          <p:nvPr/>
+        </p:nvSpPr>
+        <p:spPr>
+          <a:xfrm>
+            <a:off x="2153145" y="3344090"/>
+            <a:ext cx="357051" cy="148047"/>
+          </a:xfrm>
+          <a:prstGeom prst="rect">
+            <a:avLst/>
+          </a:prstGeom>
+          <a:noFill/>
+          <a:ln>
+            <a:solidFill>
+              <a:srgbClr val="FF0000"/>
+            </a:solidFill>
+          </a:ln>
+        </p:spPr>
+        <p:style>
+          <a:lnRef idx="2">
+            <a:schemeClr val="accent1">
+              <a:shade val="50000"/>
+            </a:schemeClr>
+          </a:lnRef>
+          <a:fillRef idx="1">
+            <a:schemeClr val="accent1"/>
+          </a:fillRef>
+          <a:effectRef idx="0">
+            <a:schemeClr val="accent1"/>
+          </a:effectRef>
+          <a:fontRef idx="minor">
+            <a:schemeClr val="lt1"/>
+          </a:fontRef>
+        </p:style>
+        <p:txBody>
+          <a:bodyPr rtlCol="0" anchor="ctr"/>
+          <a:lstStyle/>
+          <a:p>
+            <a:pPr algn="ctr"/>
+            <a:endParaRPr lang="ko-KR" altLang="en-US"/>
+          </a:p>
+        </p:txBody>
+      </p:sp>
+      <p:cxnSp>
+        <p:nvCxnSpPr>
+          <p:cNvPr id="45" name="직선 화살표 연결선 44"/>
+          <p:cNvCxnSpPr>
+            <a:stCxn id="41" idx="3"/>
+          </p:cNvCxnSpPr>
+          <p:nvPr/>
+        </p:nvCxnSpPr>
+        <p:spPr>
+          <a:xfrm flipV="1">
+            <a:off x="2510196" y="3413760"/>
+            <a:ext cx="4162698" cy="4354"/>
+          </a:xfrm>
+          <a:prstGeom prst="straightConnector1">
+            <a:avLst/>
+          </a:prstGeom>
+          <a:ln>
+            <a:solidFill>
+              <a:srgbClr val="FF0000"/>
+            </a:solidFill>
+            <a:tailEnd type="triangle"/>
+          </a:ln>
+        </p:spPr>
+        <p:style>
+          <a:lnRef idx="1">
+            <a:schemeClr val="accent1"/>
+          </a:lnRef>
+          <a:fillRef idx="0">
+            <a:schemeClr val="accent1"/>
+          </a:fillRef>
+          <a:effectRef idx="0">
+            <a:schemeClr val="accent1"/>
+          </a:effectRef>
+          <a:fontRef idx="minor">
+            <a:schemeClr val="tx1"/>
+          </a:fontRef>
+        </p:style>
+      </p:cxnSp>
+      <p:sp>
+        <p:nvSpPr>
+          <p:cNvPr id="46" name="TextBox 45"/>
+          <p:cNvSpPr txBox="1"/>
+          <p:nvPr/>
+        </p:nvSpPr>
+        <p:spPr>
+          <a:xfrm>
+            <a:off x="1315063" y="1330601"/>
+            <a:ext cx="6747360" cy="769441"/>
+          </a:xfrm>
+          <a:prstGeom prst="rect">
+            <a:avLst/>
+          </a:prstGeom>
+          <a:noFill/>
+        </p:spPr>
+        <p:txBody>
+          <a:bodyPr wrap="none" rtlCol="0">
+            <a:spAutoFit/>
+          </a:bodyPr>
+          <a:lstStyle/>
+          <a:p>
+            <a:pPr marL="171450" indent="-171450">
+              <a:buFont typeface="Arial" panose="020B0604020202020204" pitchFamily="34" charset="0"/>
+              <a:buChar char="•"/>
+            </a:pPr>
+            <a:r>
+              <a:rPr lang="ko-KR" altLang="en-US" sz="1100" dirty="0" err="1" smtClean="0"/>
+              <a:t>셀렉트</a:t>
+            </a:r>
+            <a:r>
+              <a:rPr lang="ko-KR" altLang="en-US" sz="1100" dirty="0" smtClean="0"/>
+              <a:t> </a:t>
+            </a:r>
+            <a:r>
+              <a:rPr lang="ko-KR" altLang="en-US" sz="1100" dirty="0"/>
+              <a:t>태그로 지역과 음식 </a:t>
+            </a:r>
+            <a:r>
+              <a:rPr lang="ko-KR" altLang="en-US" sz="1100" dirty="0" err="1"/>
+              <a:t>카테를</a:t>
+            </a:r>
+            <a:r>
+              <a:rPr lang="ko-KR" altLang="en-US" sz="1100" dirty="0"/>
+              <a:t> 필터링하여 리스트를 불러올 수 있도록 스크립트처리 하였습니다</a:t>
+            </a:r>
+            <a:r>
+              <a:rPr lang="en-US" altLang="ko-KR" sz="1100" dirty="0"/>
+              <a:t>.</a:t>
+            </a:r>
+          </a:p>
+          <a:p>
+            <a:pPr marL="171450" indent="-171450">
+              <a:buFont typeface="Arial" panose="020B0604020202020204" pitchFamily="34" charset="0"/>
+              <a:buChar char="•"/>
+            </a:pPr>
+            <a:r>
+              <a:rPr lang="ko-KR" altLang="en-US" sz="1100" dirty="0" smtClean="0"/>
+              <a:t>맛집리스트에 </a:t>
+            </a:r>
+            <a:r>
+              <a:rPr lang="ko-KR" altLang="en-US" sz="1100" dirty="0"/>
+              <a:t>경우 관리자만 업체를 등록할 수 있으며 또한 관리자만 수정 및 삭제가 가능합니다</a:t>
+            </a:r>
+            <a:r>
+              <a:rPr lang="en-US" altLang="ko-KR" sz="1100" dirty="0"/>
+              <a:t>.</a:t>
+            </a:r>
+          </a:p>
+          <a:p>
+            <a:pPr marL="171450" indent="-171450">
+              <a:buFont typeface="Arial" panose="020B0604020202020204" pitchFamily="34" charset="0"/>
+              <a:buChar char="•"/>
+            </a:pPr>
+            <a:r>
+              <a:rPr lang="en-US" altLang="ko-KR" sz="1100" dirty="0" err="1" smtClean="0"/>
+              <a:t>Mybatis</a:t>
+            </a:r>
+            <a:r>
+              <a:rPr lang="en-US" altLang="ko-KR" sz="1100" dirty="0" smtClean="0"/>
+              <a:t> </a:t>
+            </a:r>
+            <a:r>
+              <a:rPr lang="en-US" altLang="ko-KR" sz="1100" dirty="0" err="1"/>
+              <a:t>Rowbound</a:t>
+            </a:r>
+            <a:r>
+              <a:rPr lang="en-US" altLang="ko-KR" sz="1100" dirty="0"/>
+              <a:t> </a:t>
+            </a:r>
+            <a:r>
+              <a:rPr lang="ko-KR" altLang="en-US" sz="1100" dirty="0"/>
+              <a:t>이용하여 </a:t>
+            </a:r>
+            <a:r>
+              <a:rPr lang="ko-KR" altLang="en-US" sz="1100" dirty="0" err="1"/>
+              <a:t>페이징</a:t>
+            </a:r>
+            <a:r>
+              <a:rPr lang="ko-KR" altLang="en-US" sz="1100" dirty="0"/>
+              <a:t> 처리하였습니다</a:t>
+            </a:r>
+            <a:r>
+              <a:rPr lang="en-US" altLang="ko-KR" sz="1100" dirty="0"/>
+              <a:t>.</a:t>
+            </a:r>
+          </a:p>
+          <a:p>
+            <a:pPr marL="171450" indent="-171450">
+              <a:buFont typeface="Arial" panose="020B0604020202020204" pitchFamily="34" charset="0"/>
+              <a:buChar char="•"/>
+            </a:pPr>
+            <a:r>
+              <a:rPr lang="en-US" altLang="ko-KR" sz="1100" dirty="0" smtClean="0"/>
+              <a:t>Jakarta</a:t>
+            </a:r>
+            <a:r>
+              <a:rPr lang="ko-KR" altLang="en-US" sz="1100" dirty="0"/>
+              <a:t>의 </a:t>
+            </a:r>
+            <a:r>
+              <a:rPr lang="en-US" altLang="ko-KR" sz="1100" dirty="0" err="1"/>
+              <a:t>Valildation</a:t>
+            </a:r>
+            <a:r>
+              <a:rPr lang="en-US" altLang="ko-KR" sz="1100" dirty="0"/>
+              <a:t> </a:t>
+            </a:r>
+            <a:r>
+              <a:rPr lang="ko-KR" altLang="en-US" sz="1100" dirty="0"/>
+              <a:t>클래스를 사용하여 최댓값</a:t>
+            </a:r>
+            <a:r>
+              <a:rPr lang="en-US" altLang="ko-KR" sz="1100" dirty="0"/>
+              <a:t>, </a:t>
+            </a:r>
+            <a:r>
+              <a:rPr lang="ko-KR" altLang="en-US" sz="1100" dirty="0"/>
+              <a:t>최솟값</a:t>
+            </a:r>
+            <a:r>
+              <a:rPr lang="en-US" altLang="ko-KR" sz="1100" dirty="0"/>
+              <a:t>, </a:t>
+            </a:r>
+            <a:r>
+              <a:rPr lang="ko-KR" altLang="en-US" sz="1100" dirty="0"/>
+              <a:t>크기와 같은 유효성 검증을 진행하였습니다</a:t>
+            </a:r>
+            <a:r>
+              <a:rPr lang="en-US" altLang="ko-KR" sz="1100" dirty="0"/>
+              <a:t>.</a:t>
+            </a:r>
+          </a:p>
+        </p:txBody>
+      </p:sp>
+    </p:spTree>
+    <p:extLst>
+      <p:ext uri="{BB962C8B-B14F-4D97-AF65-F5344CB8AC3E}">
+        <p14:creationId xmlns:p14="http://schemas.microsoft.com/office/powerpoint/2010/main" val="452162327"/>
+      </p:ext>
+    </p:extLst>
+  </p:cSld>
+  <p:clrMapOvr>
+    <a:masterClrMapping/>
+  </p:clrMapOvr>
+</p:sld>
+</file>
+
+<file path=ppt/slides/slide7.xml><?xml version="1.0" encoding="utf-8"?>
+<p:sld xmlns:a="http://schemas.openxmlformats.org/drawingml/2006/main" xmlns:r="http://schemas.openxmlformats.org/officeDocument/2006/relationships" xmlns:p="http://schemas.openxmlformats.org/presentationml/2006/main">
+  <p:cSld>
+    <p:spTree>
+      <p:nvGrpSpPr>
+        <p:cNvPr id="1" name=""/>
+        <p:cNvGrpSpPr/>
+        <p:nvPr/>
+      </p:nvGrpSpPr>
+      <p:grpSpPr>
+        <a:xfrm>
+          <a:off x="0" y="0"/>
+          <a:ext cx="0" cy="0"/>
+          <a:chOff x="0" y="0"/>
+          <a:chExt cx="0" cy="0"/>
+        </a:xfrm>
+      </p:grpSpPr>
+      <p:grpSp>
+        <p:nvGrpSpPr>
+          <p:cNvPr id="2" name="그룹 1"/>
+          <p:cNvGrpSpPr/>
+          <p:nvPr/>
+        </p:nvGrpSpPr>
+        <p:grpSpPr>
+          <a:xfrm>
+            <a:off x="885172" y="212026"/>
+            <a:ext cx="10421656" cy="369332"/>
+            <a:chOff x="853960" y="212026"/>
+            <a:chExt cx="10421656" cy="369332"/>
+          </a:xfrm>
+        </p:grpSpPr>
+        <p:sp>
+          <p:nvSpPr>
+            <p:cNvPr id="3" name="TextBox 2"/>
+            <p:cNvSpPr txBox="1"/>
+            <p:nvPr/>
+          </p:nvSpPr>
+          <p:spPr>
+            <a:xfrm>
+              <a:off x="853960" y="212026"/>
+              <a:ext cx="1136850" cy="369332"/>
+            </a:xfrm>
+            <a:prstGeom prst="rect">
+              <a:avLst/>
+            </a:prstGeom>
+            <a:noFill/>
+          </p:spPr>
+          <p:txBody>
+            <a:bodyPr wrap="none" rtlCol="0">
+              <a:spAutoFit/>
+            </a:bodyPr>
+            <a:lstStyle/>
+            <a:p>
+              <a:pPr algn="ctr"/>
+              <a:r>
+                <a:rPr lang="ko-KR" altLang="en-US" dirty="0">
+                  <a:solidFill>
+                    <a:schemeClr val="bg2">
+                      <a:lumMod val="90000"/>
+                      <a:alpha val="50000"/>
+                    </a:schemeClr>
+                  </a:solidFill>
+                  <a:latin typeface="에스코어 드림 7 ExtraBold" panose="020B0803030302020204" pitchFamily="34" charset="-127"/>
+                  <a:ea typeface="에스코어 드림 7 ExtraBold" panose="020B0803030302020204" pitchFamily="34" charset="-127"/>
+                </a:rPr>
+                <a:t>팀원 소개</a:t>
+              </a:r>
+            </a:p>
+          </p:txBody>
+        </p:sp>
+        <p:sp>
+          <p:nvSpPr>
+            <p:cNvPr id="4" name="TextBox 3"/>
+            <p:cNvSpPr txBox="1"/>
+            <p:nvPr/>
+          </p:nvSpPr>
+          <p:spPr>
+            <a:xfrm>
+              <a:off x="5275149" y="212026"/>
+              <a:ext cx="1579279" cy="369332"/>
+            </a:xfrm>
+            <a:prstGeom prst="rect">
+              <a:avLst/>
+            </a:prstGeom>
+            <a:noFill/>
+          </p:spPr>
+          <p:txBody>
+            <a:bodyPr wrap="none" rtlCol="0">
+              <a:spAutoFit/>
+            </a:bodyPr>
+            <a:lstStyle/>
+            <a:p>
+              <a:pPr algn="ctr"/>
+              <a:r>
+                <a:rPr lang="ko-KR" altLang="en-US" dirty="0">
+                  <a:solidFill>
+                    <a:schemeClr val="bg2">
+                      <a:lumMod val="90000"/>
+                      <a:alpha val="50000"/>
+                    </a:schemeClr>
+                  </a:solidFill>
+                  <a:latin typeface="에스코어 드림 7 ExtraBold" panose="020B0803030302020204" pitchFamily="34" charset="-127"/>
+                  <a:ea typeface="에스코어 드림 7 ExtraBold" panose="020B0803030302020204" pitchFamily="34" charset="-127"/>
+                </a:rPr>
+                <a:t>개발 프로젝트</a:t>
+              </a:r>
+            </a:p>
+          </p:txBody>
+        </p:sp>
+        <p:sp>
+          <p:nvSpPr>
+            <p:cNvPr id="5" name="TextBox 4"/>
+            <p:cNvSpPr txBox="1"/>
+            <p:nvPr/>
+          </p:nvSpPr>
+          <p:spPr>
+            <a:xfrm>
+              <a:off x="10138766" y="212026"/>
+              <a:ext cx="1136850" cy="369332"/>
+            </a:xfrm>
+            <a:prstGeom prst="rect">
+              <a:avLst/>
+            </a:prstGeom>
+            <a:noFill/>
+          </p:spPr>
+          <p:txBody>
+            <a:bodyPr wrap="none" rtlCol="0">
+              <a:spAutoFit/>
+            </a:bodyPr>
+            <a:lstStyle/>
+            <a:p>
+              <a:pPr algn="ctr"/>
+              <a:r>
+                <a:rPr lang="ko-KR" altLang="en-US" dirty="0" smtClean="0">
+                  <a:solidFill>
+                    <a:schemeClr val="bg1"/>
+                  </a:solidFill>
+                  <a:latin typeface="에스코어 드림 7 ExtraBold" panose="020B0803030302020204" pitchFamily="34" charset="-127"/>
+                  <a:ea typeface="에스코어 드림 7 ExtraBold" panose="020B0803030302020204" pitchFamily="34" charset="-127"/>
+                </a:rPr>
+                <a:t>주요 기능</a:t>
+              </a:r>
+              <a:endParaRPr lang="ko-KR" altLang="en-US" dirty="0">
+                <a:solidFill>
+                  <a:schemeClr val="bg1"/>
+                </a:solidFill>
+                <a:latin typeface="에스코어 드림 7 ExtraBold" panose="020B0803030302020204" pitchFamily="34" charset="-127"/>
+                <a:ea typeface="에스코어 드림 7 ExtraBold" panose="020B0803030302020204" pitchFamily="34" charset="-127"/>
+              </a:endParaRPr>
+            </a:p>
+          </p:txBody>
+        </p:sp>
+      </p:grpSp>
+      <p:grpSp>
+        <p:nvGrpSpPr>
+          <p:cNvPr id="6" name="그룹 5"/>
+          <p:cNvGrpSpPr/>
+          <p:nvPr/>
+        </p:nvGrpSpPr>
+        <p:grpSpPr>
+          <a:xfrm>
+            <a:off x="503038" y="767358"/>
+            <a:ext cx="4322919" cy="470294"/>
+            <a:chOff x="503038" y="767358"/>
+            <a:chExt cx="4322919" cy="470294"/>
+          </a:xfrm>
+        </p:grpSpPr>
+        <p:sp>
+          <p:nvSpPr>
+            <p:cNvPr id="7" name="TextBox 6"/>
+            <p:cNvSpPr txBox="1"/>
+            <p:nvPr/>
+          </p:nvSpPr>
+          <p:spPr>
+            <a:xfrm>
+              <a:off x="2865164" y="828520"/>
+              <a:ext cx="1960793" cy="346249"/>
+            </a:xfrm>
+            <a:prstGeom prst="rect">
+              <a:avLst/>
+            </a:prstGeom>
+            <a:noFill/>
+          </p:spPr>
+          <p:txBody>
+            <a:bodyPr wrap="none" rtlCol="0">
+              <a:spAutoFit/>
+            </a:bodyPr>
+            <a:lstStyle/>
+            <a:p>
+              <a:r>
+                <a:rPr lang="ko-KR" altLang="en-US" sz="1650" dirty="0" smtClean="0">
+                  <a:solidFill>
+                    <a:schemeClr val="tx1">
+                      <a:lumMod val="75000"/>
+                      <a:lumOff val="25000"/>
+                    </a:schemeClr>
+                  </a:solidFill>
+                  <a:latin typeface="에스코어 드림 5 Medium" panose="020B0503030302020204" pitchFamily="34" charset="-127"/>
+                  <a:ea typeface="에스코어 드림 5 Medium" panose="020B0503030302020204" pitchFamily="34" charset="-127"/>
+                </a:rPr>
+                <a:t>｜ </a:t>
+              </a:r>
+              <a:r>
+                <a:rPr lang="ko-KR" altLang="en-US" sz="1650" dirty="0" smtClean="0">
+                  <a:solidFill>
+                    <a:schemeClr val="tx1">
+                      <a:lumMod val="75000"/>
+                      <a:lumOff val="25000"/>
+                    </a:schemeClr>
+                  </a:solidFill>
+                  <a:latin typeface="에스코어 드림 5 Medium" panose="020B0503030302020204" pitchFamily="34" charset="-127"/>
+                  <a:ea typeface="에스코어 드림 5 Medium" panose="020B0503030302020204" pitchFamily="34" charset="-127"/>
+                </a:rPr>
+                <a:t>공지사항 게시판</a:t>
+              </a:r>
+              <a:endParaRPr lang="ko-KR" altLang="en-US" sz="1650" dirty="0">
+                <a:solidFill>
+                  <a:schemeClr val="tx1">
+                    <a:lumMod val="75000"/>
+                    <a:lumOff val="25000"/>
+                  </a:schemeClr>
+                </a:solidFill>
+                <a:latin typeface="에스코어 드림 5 Medium" panose="020B0503030302020204" pitchFamily="34" charset="-127"/>
+                <a:ea typeface="에스코어 드림 5 Medium" panose="020B0503030302020204" pitchFamily="34" charset="-127"/>
+              </a:endParaRPr>
+            </a:p>
+          </p:txBody>
+        </p:sp>
+        <p:grpSp>
+          <p:nvGrpSpPr>
+            <p:cNvPr id="8" name="그룹 7"/>
+            <p:cNvGrpSpPr/>
+            <p:nvPr/>
+          </p:nvGrpSpPr>
+          <p:grpSpPr>
+            <a:xfrm>
+              <a:off x="503038" y="767358"/>
+              <a:ext cx="2362126" cy="470294"/>
+              <a:chOff x="474009" y="733975"/>
+              <a:chExt cx="2362126" cy="470294"/>
+            </a:xfrm>
+          </p:grpSpPr>
+          <p:sp>
+            <p:nvSpPr>
+              <p:cNvPr id="9" name="TextBox 8"/>
+              <p:cNvSpPr txBox="1"/>
+              <p:nvPr/>
+            </p:nvSpPr>
+            <p:spPr>
+              <a:xfrm>
+                <a:off x="864120" y="742604"/>
+                <a:ext cx="1972015" cy="461665"/>
+              </a:xfrm>
+              <a:prstGeom prst="rect">
+                <a:avLst/>
+              </a:prstGeom>
+              <a:noFill/>
+            </p:spPr>
+            <p:txBody>
+              <a:bodyPr wrap="none" rtlCol="0">
+                <a:spAutoFit/>
+              </a:bodyPr>
+              <a:lstStyle/>
+              <a:p>
+                <a:r>
+                  <a:rPr lang="en-US" altLang="ko-KR" sz="2400" dirty="0" err="1" smtClean="0">
+                    <a:solidFill>
+                      <a:srgbClr val="333F50"/>
+                    </a:solidFill>
+                    <a:latin typeface="Leferi Point Type Black" panose="020B0A03000000000000" pitchFamily="34" charset="-127"/>
+                    <a:ea typeface="Leferi Point Type Black" panose="020B0A03000000000000" pitchFamily="34" charset="-127"/>
+                  </a:rPr>
+                  <a:t>JejuMatjip</a:t>
+                </a:r>
+                <a:endParaRPr lang="ko-KR" altLang="en-US" sz="2400" dirty="0">
+                  <a:solidFill>
+                    <a:srgbClr val="333F50"/>
+                  </a:solidFill>
+                  <a:latin typeface="Leferi Point Type Black" panose="020B0A03000000000000" pitchFamily="34" charset="-127"/>
+                  <a:ea typeface="Leferi Point Type Black" panose="020B0A03000000000000" pitchFamily="34" charset="-127"/>
+                </a:endParaRPr>
+              </a:p>
+            </p:txBody>
+          </p:sp>
+          <p:pic>
+            <p:nvPicPr>
+              <p:cNvPr id="10" name="그림 9"/>
+              <p:cNvPicPr>
+                <a:picLocks noChangeAspect="1"/>
+              </p:cNvPicPr>
+              <p:nvPr/>
+            </p:nvPicPr>
+            <p:blipFill>
+              <a:blip r:embed="rId2" cstate="print">
+                <a:lum bright="70000" contrast="-70000"/>
+                <a:extLst>
+                  <a:ext uri="{28A0092B-C50C-407E-A947-70E740481C1C}">
+                    <a14:useLocalDpi xmlns:a14="http://schemas.microsoft.com/office/drawing/2010/main" val="0"/>
+                  </a:ext>
+                </a:extLst>
+              </a:blip>
+              <a:stretch>
+                <a:fillRect/>
+              </a:stretch>
+            </p:blipFill>
+            <p:spPr>
+              <a:xfrm>
+                <a:off x="474009" y="733975"/>
+                <a:ext cx="390631" cy="468575"/>
+              </a:xfrm>
+              <a:prstGeom prst="rect">
+                <a:avLst/>
+              </a:prstGeom>
+            </p:spPr>
+          </p:pic>
+        </p:grpSp>
+      </p:grpSp>
+      <p:sp>
+        <p:nvSpPr>
+          <p:cNvPr id="11" name="TextBox 10"/>
+          <p:cNvSpPr txBox="1"/>
+          <p:nvPr/>
+        </p:nvSpPr>
+        <p:spPr>
+          <a:xfrm>
+            <a:off x="1315063" y="1330601"/>
+            <a:ext cx="6888424" cy="769441"/>
+          </a:xfrm>
+          <a:prstGeom prst="rect">
+            <a:avLst/>
+          </a:prstGeom>
+          <a:noFill/>
+        </p:spPr>
+        <p:txBody>
+          <a:bodyPr wrap="none" rtlCol="0">
+            <a:spAutoFit/>
+          </a:bodyPr>
+          <a:lstStyle/>
+          <a:p>
+            <a:pPr marL="171450" indent="-171450">
+              <a:buFont typeface="Arial" panose="020B0604020202020204" pitchFamily="34" charset="0"/>
+              <a:buChar char="•"/>
+            </a:pPr>
+            <a:r>
+              <a:rPr lang="ko-KR" altLang="en-US" sz="1100" dirty="0" err="1" smtClean="0"/>
+              <a:t>제주맛집</a:t>
+            </a:r>
+            <a:r>
+              <a:rPr lang="ko-KR" altLang="en-US" sz="1100" dirty="0" smtClean="0"/>
+              <a:t> </a:t>
+            </a:r>
+            <a:r>
+              <a:rPr lang="ko-KR" altLang="en-US" sz="1100" dirty="0"/>
+              <a:t>운영에 관한 공지나 </a:t>
+            </a:r>
+            <a:r>
+              <a:rPr lang="ko-KR" altLang="en-US" sz="1100" dirty="0" err="1"/>
+              <a:t>주요정보</a:t>
+            </a:r>
+            <a:r>
+              <a:rPr lang="ko-KR" altLang="en-US" sz="1100" dirty="0"/>
+              <a:t> 알림을 관리자에 의해 게시하고 관리합니다</a:t>
+            </a:r>
+            <a:r>
+              <a:rPr lang="en-US" altLang="ko-KR" sz="1100" dirty="0"/>
+              <a:t>.</a:t>
+            </a:r>
+          </a:p>
+          <a:p>
+            <a:pPr marL="171450" indent="-171450">
+              <a:buFont typeface="Arial" panose="020B0604020202020204" pitchFamily="34" charset="0"/>
+              <a:buChar char="•"/>
+            </a:pPr>
+            <a:r>
+              <a:rPr lang="ko-KR" altLang="en-US" sz="1100" dirty="0" smtClean="0"/>
+              <a:t>관리자</a:t>
+            </a:r>
+            <a:r>
+              <a:rPr lang="en-US" altLang="ko-KR" sz="1100" dirty="0"/>
+              <a:t>(admin)</a:t>
+            </a:r>
+            <a:r>
+              <a:rPr lang="ko-KR" altLang="en-US" sz="1100" dirty="0"/>
+              <a:t>만 </a:t>
+            </a:r>
+            <a:r>
+              <a:rPr lang="ko-KR" altLang="en-US" sz="1100" dirty="0" err="1"/>
+              <a:t>게시글</a:t>
+            </a:r>
+            <a:r>
+              <a:rPr lang="ko-KR" altLang="en-US" sz="1100" dirty="0"/>
+              <a:t> 등록</a:t>
+            </a:r>
+            <a:r>
+              <a:rPr lang="en-US" altLang="ko-KR" sz="1100" dirty="0"/>
+              <a:t>, </a:t>
+            </a:r>
+            <a:r>
+              <a:rPr lang="ko-KR" altLang="en-US" sz="1100" dirty="0"/>
+              <a:t>수정</a:t>
+            </a:r>
+            <a:r>
+              <a:rPr lang="en-US" altLang="ko-KR" sz="1100" dirty="0"/>
+              <a:t>, </a:t>
+            </a:r>
+            <a:r>
+              <a:rPr lang="ko-KR" altLang="en-US" sz="1100" dirty="0"/>
+              <a:t>삭제가 가능하고</a:t>
+            </a:r>
+            <a:r>
+              <a:rPr lang="en-US" altLang="ko-KR" sz="1100" dirty="0"/>
+              <a:t>, </a:t>
+            </a:r>
+            <a:r>
+              <a:rPr lang="ko-KR" altLang="en-US" sz="1100" dirty="0"/>
+              <a:t>비회원과 회원은 </a:t>
+            </a:r>
+            <a:r>
+              <a:rPr lang="ko-KR" altLang="en-US" sz="1100" dirty="0" err="1"/>
+              <a:t>게시글</a:t>
+            </a:r>
+            <a:r>
+              <a:rPr lang="ko-KR" altLang="en-US" sz="1100" dirty="0"/>
+              <a:t> 조회만 가능합니다</a:t>
+            </a:r>
+            <a:r>
+              <a:rPr lang="en-US" altLang="ko-KR" sz="1100" dirty="0"/>
+              <a:t>.       </a:t>
+            </a:r>
+          </a:p>
+          <a:p>
+            <a:pPr marL="171450" indent="-171450">
+              <a:buFont typeface="Arial" panose="020B0604020202020204" pitchFamily="34" charset="0"/>
+              <a:buChar char="•"/>
+            </a:pPr>
+            <a:r>
+              <a:rPr lang="en-US" altLang="ko-KR" sz="1100" dirty="0" err="1" smtClean="0"/>
+              <a:t>Mybatis</a:t>
+            </a:r>
+            <a:r>
+              <a:rPr lang="en-US" altLang="ko-KR" sz="1100" dirty="0" smtClean="0"/>
+              <a:t> </a:t>
+            </a:r>
+            <a:r>
+              <a:rPr lang="en-US" altLang="ko-KR" sz="1100" dirty="0" err="1"/>
+              <a:t>Rowbound</a:t>
+            </a:r>
+            <a:r>
+              <a:rPr lang="en-US" altLang="ko-KR" sz="1100" dirty="0"/>
+              <a:t> </a:t>
+            </a:r>
+            <a:r>
+              <a:rPr lang="ko-KR" altLang="en-US" sz="1100" dirty="0"/>
+              <a:t>이용하여 </a:t>
+            </a:r>
+            <a:r>
+              <a:rPr lang="ko-KR" altLang="en-US" sz="1100" dirty="0" err="1"/>
+              <a:t>페이징</a:t>
+            </a:r>
+            <a:r>
+              <a:rPr lang="ko-KR" altLang="en-US" sz="1100" dirty="0"/>
+              <a:t> 처리하였습니다</a:t>
+            </a:r>
+            <a:r>
+              <a:rPr lang="en-US" altLang="ko-KR" sz="1100" dirty="0"/>
+              <a:t>.</a:t>
+            </a:r>
+          </a:p>
+          <a:p>
+            <a:pPr marL="171450" indent="-171450">
+              <a:buFont typeface="Arial" panose="020B0604020202020204" pitchFamily="34" charset="0"/>
+              <a:buChar char="•"/>
+            </a:pPr>
+            <a:r>
+              <a:rPr lang="en-US" altLang="ko-KR" sz="1100" dirty="0" smtClean="0"/>
+              <a:t>Jakarta</a:t>
+            </a:r>
+            <a:r>
+              <a:rPr lang="ko-KR" altLang="en-US" sz="1100" dirty="0"/>
+              <a:t>의 </a:t>
+            </a:r>
+            <a:r>
+              <a:rPr lang="en-US" altLang="ko-KR" sz="1100" dirty="0" err="1"/>
+              <a:t>Valildation</a:t>
+            </a:r>
+            <a:r>
+              <a:rPr lang="en-US" altLang="ko-KR" sz="1100" dirty="0"/>
+              <a:t> </a:t>
+            </a:r>
+            <a:r>
+              <a:rPr lang="ko-KR" altLang="en-US" sz="1100" dirty="0"/>
+              <a:t>클래스를 사용하여 최댓값</a:t>
+            </a:r>
+            <a:r>
+              <a:rPr lang="en-US" altLang="ko-KR" sz="1100" dirty="0"/>
+              <a:t>, </a:t>
+            </a:r>
+            <a:r>
+              <a:rPr lang="ko-KR" altLang="en-US" sz="1100" dirty="0"/>
+              <a:t>최솟값</a:t>
+            </a:r>
+            <a:r>
+              <a:rPr lang="en-US" altLang="ko-KR" sz="1100" dirty="0"/>
+              <a:t>, </a:t>
+            </a:r>
+            <a:r>
+              <a:rPr lang="ko-KR" altLang="en-US" sz="1100" dirty="0"/>
+              <a:t>크기와 같은 유효성 검증을 진행하였습니다</a:t>
+            </a:r>
+            <a:r>
+              <a:rPr lang="en-US" altLang="ko-KR" sz="1100" dirty="0"/>
+              <a:t>.</a:t>
+            </a:r>
+          </a:p>
+        </p:txBody>
+      </p:sp>
+      <p:pic>
+        <p:nvPicPr>
+          <p:cNvPr id="12" name="그림 11"/>
+          <p:cNvPicPr>
+            <a:picLocks noChangeAspect="1"/>
+          </p:cNvPicPr>
+          <p:nvPr/>
+        </p:nvPicPr>
+        <p:blipFill>
+          <a:blip r:embed="rId3"/>
+          <a:stretch>
+            <a:fillRect/>
+          </a:stretch>
+        </p:blipFill>
+        <p:spPr>
+          <a:xfrm>
+            <a:off x="503038" y="2264229"/>
+            <a:ext cx="5183528" cy="3187336"/>
+          </a:xfrm>
+          <a:prstGeom prst="rect">
+            <a:avLst/>
+          </a:prstGeom>
+        </p:spPr>
+      </p:pic>
+      <p:pic>
+        <p:nvPicPr>
+          <p:cNvPr id="13" name="그림 12"/>
+          <p:cNvPicPr>
+            <a:picLocks noChangeAspect="1"/>
+          </p:cNvPicPr>
+          <p:nvPr/>
+        </p:nvPicPr>
+        <p:blipFill>
+          <a:blip r:embed="rId4"/>
+          <a:stretch>
+            <a:fillRect/>
+          </a:stretch>
+        </p:blipFill>
+        <p:spPr>
+          <a:xfrm>
+            <a:off x="6885640" y="2333897"/>
+            <a:ext cx="3653852" cy="3901303"/>
+          </a:xfrm>
+          <a:prstGeom prst="rect">
+            <a:avLst/>
+          </a:prstGeom>
+        </p:spPr>
+      </p:pic>
+      <p:sp>
+        <p:nvSpPr>
+          <p:cNvPr id="14" name="직사각형 13"/>
+          <p:cNvSpPr/>
+          <p:nvPr/>
+        </p:nvSpPr>
+        <p:spPr>
+          <a:xfrm>
+            <a:off x="2339809" y="3457302"/>
+            <a:ext cx="525355" cy="130630"/>
+          </a:xfrm>
+          <a:prstGeom prst="rect">
+            <a:avLst/>
+          </a:prstGeom>
+          <a:noFill/>
+          <a:ln>
+            <a:solidFill>
+              <a:srgbClr val="FF0000"/>
+            </a:solidFill>
+          </a:ln>
+        </p:spPr>
+        <p:style>
+          <a:lnRef idx="2">
+            <a:schemeClr val="accent1">
+              <a:shade val="50000"/>
+            </a:schemeClr>
+          </a:lnRef>
+          <a:fillRef idx="1">
+            <a:schemeClr val="accent1"/>
+          </a:fillRef>
+          <a:effectRef idx="0">
+            <a:schemeClr val="accent1"/>
+          </a:effectRef>
+          <a:fontRef idx="minor">
+            <a:schemeClr val="lt1"/>
+          </a:fontRef>
+        </p:style>
+        <p:txBody>
+          <a:bodyPr rtlCol="0" anchor="ctr"/>
+          <a:lstStyle/>
+          <a:p>
+            <a:pPr algn="ctr"/>
+            <a:endParaRPr lang="ko-KR" altLang="en-US"/>
+          </a:p>
+        </p:txBody>
+      </p:sp>
+      <p:cxnSp>
+        <p:nvCxnSpPr>
+          <p:cNvPr id="15" name="직선 화살표 연결선 14"/>
+          <p:cNvCxnSpPr>
+            <a:stCxn id="14" idx="3"/>
+          </p:cNvCxnSpPr>
+          <p:nvPr/>
+        </p:nvCxnSpPr>
+        <p:spPr>
+          <a:xfrm>
+            <a:off x="2865164" y="3522617"/>
+            <a:ext cx="3994394" cy="4354"/>
+          </a:xfrm>
+          <a:prstGeom prst="straightConnector1">
+            <a:avLst/>
+          </a:prstGeom>
+          <a:ln>
+            <a:solidFill>
+              <a:srgbClr val="FF0000"/>
+            </a:solidFill>
+            <a:tailEnd type="triangle"/>
+          </a:ln>
+        </p:spPr>
+        <p:style>
+          <a:lnRef idx="1">
+            <a:schemeClr val="accent1"/>
+          </a:lnRef>
+          <a:fillRef idx="0">
+            <a:schemeClr val="accent1"/>
+          </a:fillRef>
+          <a:effectRef idx="0">
+            <a:schemeClr val="accent1"/>
+          </a:effectRef>
+          <a:fontRef idx="minor">
+            <a:schemeClr val="tx1"/>
+          </a:fontRef>
+        </p:style>
+      </p:cxnSp>
+    </p:spTree>
+    <p:extLst>
+      <p:ext uri="{BB962C8B-B14F-4D97-AF65-F5344CB8AC3E}">
+        <p14:creationId xmlns:p14="http://schemas.microsoft.com/office/powerpoint/2010/main" val="688638982"/>
+      </p:ext>
+    </p:extLst>
+  </p:cSld>
+  <p:clrMapOvr>
+    <a:masterClrMapping/>
+  </p:clrMapOvr>
+</p:sld>
+</file>
+
+<file path=ppt/slides/slide8.xml><?xml version="1.0" encoding="utf-8"?>
+<p:sld xmlns:a="http://schemas.openxmlformats.org/drawingml/2006/main" xmlns:r="http://schemas.openxmlformats.org/officeDocument/2006/relationships" xmlns:p="http://schemas.openxmlformats.org/presentationml/2006/main">
+  <p:cSld>
+    <p:spTree>
+      <p:nvGrpSpPr>
+        <p:cNvPr id="1" name=""/>
+        <p:cNvGrpSpPr/>
+        <p:nvPr/>
+      </p:nvGrpSpPr>
+      <p:grpSpPr>
+        <a:xfrm>
+          <a:off x="0" y="0"/>
+          <a:ext cx="0" cy="0"/>
+          <a:chOff x="0" y="0"/>
+          <a:chExt cx="0" cy="0"/>
+        </a:xfrm>
+      </p:grpSpPr>
+      <p:pic>
+        <p:nvPicPr>
+          <p:cNvPr id="17" name="그림 16"/>
+          <p:cNvPicPr>
+            <a:picLocks noChangeAspect="1"/>
+          </p:cNvPicPr>
+          <p:nvPr/>
+        </p:nvPicPr>
+        <p:blipFill>
+          <a:blip r:embed="rId2"/>
+          <a:stretch>
+            <a:fillRect/>
+          </a:stretch>
+        </p:blipFill>
+        <p:spPr>
+          <a:xfrm>
+            <a:off x="940120" y="2637867"/>
+            <a:ext cx="6042967" cy="3602960"/>
+          </a:xfrm>
+          <a:prstGeom prst="rect">
+            <a:avLst/>
+          </a:prstGeom>
+        </p:spPr>
+      </p:pic>
+      <p:grpSp>
+        <p:nvGrpSpPr>
+          <p:cNvPr id="2" name="그룹 1"/>
+          <p:cNvGrpSpPr/>
+          <p:nvPr/>
+        </p:nvGrpSpPr>
+        <p:grpSpPr>
+          <a:xfrm>
+            <a:off x="885172" y="212026"/>
+            <a:ext cx="10421656" cy="369332"/>
+            <a:chOff x="853960" y="212026"/>
+            <a:chExt cx="10421656" cy="369332"/>
+          </a:xfrm>
+        </p:grpSpPr>
+        <p:sp>
+          <p:nvSpPr>
+            <p:cNvPr id="3" name="TextBox 2"/>
+            <p:cNvSpPr txBox="1"/>
+            <p:nvPr/>
+          </p:nvSpPr>
+          <p:spPr>
+            <a:xfrm>
+              <a:off x="853960" y="212026"/>
+              <a:ext cx="1136850" cy="369332"/>
+            </a:xfrm>
+            <a:prstGeom prst="rect">
+              <a:avLst/>
+            </a:prstGeom>
+            <a:noFill/>
+          </p:spPr>
+          <p:txBody>
+            <a:bodyPr wrap="none" rtlCol="0">
+              <a:spAutoFit/>
+            </a:bodyPr>
+            <a:lstStyle/>
+            <a:p>
+              <a:pPr algn="ctr"/>
+              <a:r>
+                <a:rPr lang="ko-KR" altLang="en-US" dirty="0">
+                  <a:solidFill>
+                    <a:schemeClr val="bg2">
+                      <a:lumMod val="90000"/>
+                      <a:alpha val="50000"/>
+                    </a:schemeClr>
+                  </a:solidFill>
+                  <a:latin typeface="에스코어 드림 7 ExtraBold" panose="020B0803030302020204" pitchFamily="34" charset="-127"/>
+                  <a:ea typeface="에스코어 드림 7 ExtraBold" panose="020B0803030302020204" pitchFamily="34" charset="-127"/>
+                </a:rPr>
+                <a:t>팀원 소개</a:t>
+              </a:r>
+            </a:p>
+          </p:txBody>
+        </p:sp>
+        <p:sp>
+          <p:nvSpPr>
+            <p:cNvPr id="4" name="TextBox 3"/>
+            <p:cNvSpPr txBox="1"/>
+            <p:nvPr/>
+          </p:nvSpPr>
+          <p:spPr>
+            <a:xfrm>
+              <a:off x="5275149" y="212026"/>
+              <a:ext cx="1579279" cy="369332"/>
+            </a:xfrm>
+            <a:prstGeom prst="rect">
+              <a:avLst/>
+            </a:prstGeom>
+            <a:noFill/>
+          </p:spPr>
+          <p:txBody>
+            <a:bodyPr wrap="none" rtlCol="0">
+              <a:spAutoFit/>
+            </a:bodyPr>
+            <a:lstStyle/>
+            <a:p>
+              <a:pPr algn="ctr"/>
+              <a:r>
+                <a:rPr lang="ko-KR" altLang="en-US" dirty="0">
+                  <a:solidFill>
+                    <a:schemeClr val="bg2">
+                      <a:lumMod val="90000"/>
+                      <a:alpha val="50000"/>
+                    </a:schemeClr>
+                  </a:solidFill>
+                  <a:latin typeface="에스코어 드림 7 ExtraBold" panose="020B0803030302020204" pitchFamily="34" charset="-127"/>
+                  <a:ea typeface="에스코어 드림 7 ExtraBold" panose="020B0803030302020204" pitchFamily="34" charset="-127"/>
+                </a:rPr>
+                <a:t>개발 프로젝트</a:t>
+              </a:r>
+            </a:p>
+          </p:txBody>
+        </p:sp>
+        <p:sp>
+          <p:nvSpPr>
+            <p:cNvPr id="5" name="TextBox 4"/>
+            <p:cNvSpPr txBox="1"/>
+            <p:nvPr/>
+          </p:nvSpPr>
+          <p:spPr>
+            <a:xfrm>
+              <a:off x="10138766" y="212026"/>
+              <a:ext cx="1136850" cy="369332"/>
+            </a:xfrm>
+            <a:prstGeom prst="rect">
+              <a:avLst/>
+            </a:prstGeom>
+            <a:noFill/>
+          </p:spPr>
+          <p:txBody>
+            <a:bodyPr wrap="none" rtlCol="0">
+              <a:spAutoFit/>
+            </a:bodyPr>
+            <a:lstStyle/>
+            <a:p>
+              <a:pPr algn="ctr"/>
+              <a:r>
+                <a:rPr lang="ko-KR" altLang="en-US" dirty="0" smtClean="0">
+                  <a:solidFill>
+                    <a:schemeClr val="bg1"/>
+                  </a:solidFill>
+                  <a:latin typeface="에스코어 드림 7 ExtraBold" panose="020B0803030302020204" pitchFamily="34" charset="-127"/>
+                  <a:ea typeface="에스코어 드림 7 ExtraBold" panose="020B0803030302020204" pitchFamily="34" charset="-127"/>
+                </a:rPr>
+                <a:t>주요 기능</a:t>
+              </a:r>
+              <a:endParaRPr lang="ko-KR" altLang="en-US" dirty="0">
+                <a:solidFill>
+                  <a:schemeClr val="bg1"/>
+                </a:solidFill>
+                <a:latin typeface="에스코어 드림 7 ExtraBold" panose="020B0803030302020204" pitchFamily="34" charset="-127"/>
+                <a:ea typeface="에스코어 드림 7 ExtraBold" panose="020B0803030302020204" pitchFamily="34" charset="-127"/>
+              </a:endParaRPr>
+            </a:p>
+          </p:txBody>
+        </p:sp>
+      </p:grpSp>
+      <p:grpSp>
+        <p:nvGrpSpPr>
+          <p:cNvPr id="6" name="그룹 5"/>
+          <p:cNvGrpSpPr/>
+          <p:nvPr/>
+        </p:nvGrpSpPr>
+        <p:grpSpPr>
+          <a:xfrm>
+            <a:off x="503038" y="767358"/>
+            <a:ext cx="3736220" cy="470294"/>
+            <a:chOff x="503038" y="767358"/>
+            <a:chExt cx="3736220" cy="470294"/>
+          </a:xfrm>
+        </p:grpSpPr>
+        <p:sp>
+          <p:nvSpPr>
+            <p:cNvPr id="7" name="TextBox 6"/>
+            <p:cNvSpPr txBox="1"/>
+            <p:nvPr/>
+          </p:nvSpPr>
+          <p:spPr>
+            <a:xfrm>
+              <a:off x="2865164" y="828520"/>
+              <a:ext cx="1374094" cy="346249"/>
+            </a:xfrm>
+            <a:prstGeom prst="rect">
+              <a:avLst/>
+            </a:prstGeom>
+            <a:noFill/>
+          </p:spPr>
+          <p:txBody>
+            <a:bodyPr wrap="none" rtlCol="0">
+              <a:spAutoFit/>
+            </a:bodyPr>
+            <a:lstStyle/>
+            <a:p>
+              <a:r>
+                <a:rPr lang="ko-KR" altLang="en-US" sz="1650" dirty="0" smtClean="0">
+                  <a:solidFill>
+                    <a:schemeClr val="tx1">
+                      <a:lumMod val="75000"/>
+                      <a:lumOff val="25000"/>
+                    </a:schemeClr>
+                  </a:solidFill>
+                  <a:latin typeface="에스코어 드림 5 Medium" panose="020B0503030302020204" pitchFamily="34" charset="-127"/>
+                  <a:ea typeface="에스코어 드림 5 Medium" panose="020B0503030302020204" pitchFamily="34" charset="-127"/>
+                </a:rPr>
+                <a:t>｜ </a:t>
+              </a:r>
+              <a:r>
+                <a:rPr lang="en-US" altLang="ko-KR" sz="1650" dirty="0" err="1" smtClean="0">
+                  <a:solidFill>
+                    <a:schemeClr val="tx1">
+                      <a:lumMod val="75000"/>
+                      <a:lumOff val="25000"/>
+                    </a:schemeClr>
+                  </a:solidFill>
+                  <a:latin typeface="에스코어 드림 5 Medium" panose="020B0503030302020204" pitchFamily="34" charset="-127"/>
+                  <a:ea typeface="에스코어 드림 5 Medium" panose="020B0503030302020204" pitchFamily="34" charset="-127"/>
+                </a:rPr>
+                <a:t>QnA</a:t>
+              </a:r>
+              <a:r>
+                <a:rPr lang="en-US" altLang="ko-KR" sz="1650" dirty="0" smtClean="0">
+                  <a:solidFill>
+                    <a:schemeClr val="tx1">
+                      <a:lumMod val="75000"/>
+                      <a:lumOff val="25000"/>
+                    </a:schemeClr>
+                  </a:solidFill>
+                  <a:latin typeface="에스코어 드림 5 Medium" panose="020B0503030302020204" pitchFamily="34" charset="-127"/>
+                  <a:ea typeface="에스코어 드림 5 Medium" panose="020B0503030302020204" pitchFamily="34" charset="-127"/>
+                </a:rPr>
+                <a:t> </a:t>
+              </a:r>
+              <a:r>
+                <a:rPr lang="ko-KR" altLang="en-US" sz="1650" dirty="0" smtClean="0">
+                  <a:solidFill>
+                    <a:schemeClr val="tx1">
+                      <a:lumMod val="75000"/>
+                      <a:lumOff val="25000"/>
+                    </a:schemeClr>
+                  </a:solidFill>
+                  <a:latin typeface="에스코어 드림 5 Medium" panose="020B0503030302020204" pitchFamily="34" charset="-127"/>
+                  <a:ea typeface="에스코어 드림 5 Medium" panose="020B0503030302020204" pitchFamily="34" charset="-127"/>
+                </a:rPr>
+                <a:t>게시판</a:t>
+              </a:r>
+              <a:endParaRPr lang="ko-KR" altLang="en-US" sz="1650" dirty="0">
+                <a:solidFill>
+                  <a:schemeClr val="tx1">
+                    <a:lumMod val="75000"/>
+                    <a:lumOff val="25000"/>
+                  </a:schemeClr>
+                </a:solidFill>
+                <a:latin typeface="에스코어 드림 5 Medium" panose="020B0503030302020204" pitchFamily="34" charset="-127"/>
+                <a:ea typeface="에스코어 드림 5 Medium" panose="020B0503030302020204" pitchFamily="34" charset="-127"/>
+              </a:endParaRPr>
+            </a:p>
+          </p:txBody>
+        </p:sp>
+        <p:grpSp>
+          <p:nvGrpSpPr>
+            <p:cNvPr id="8" name="그룹 7"/>
+            <p:cNvGrpSpPr/>
+            <p:nvPr/>
+          </p:nvGrpSpPr>
+          <p:grpSpPr>
+            <a:xfrm>
+              <a:off x="503038" y="767358"/>
+              <a:ext cx="2362126" cy="470294"/>
+              <a:chOff x="474009" y="733975"/>
+              <a:chExt cx="2362126" cy="470294"/>
+            </a:xfrm>
+          </p:grpSpPr>
+          <p:sp>
+            <p:nvSpPr>
+              <p:cNvPr id="9" name="TextBox 8"/>
+              <p:cNvSpPr txBox="1"/>
+              <p:nvPr/>
+            </p:nvSpPr>
+            <p:spPr>
+              <a:xfrm>
+                <a:off x="864120" y="742604"/>
+                <a:ext cx="1972015" cy="461665"/>
+              </a:xfrm>
+              <a:prstGeom prst="rect">
+                <a:avLst/>
+              </a:prstGeom>
+              <a:noFill/>
+            </p:spPr>
+            <p:txBody>
+              <a:bodyPr wrap="none" rtlCol="0">
+                <a:spAutoFit/>
+              </a:bodyPr>
+              <a:lstStyle/>
+              <a:p>
+                <a:r>
+                  <a:rPr lang="en-US" altLang="ko-KR" sz="2400" dirty="0" err="1" smtClean="0">
+                    <a:solidFill>
+                      <a:srgbClr val="333F50"/>
+                    </a:solidFill>
+                    <a:latin typeface="Leferi Point Type Black" panose="020B0A03000000000000" pitchFamily="34" charset="-127"/>
+                    <a:ea typeface="Leferi Point Type Black" panose="020B0A03000000000000" pitchFamily="34" charset="-127"/>
+                  </a:rPr>
+                  <a:t>JejuMatjip</a:t>
+                </a:r>
+                <a:endParaRPr lang="ko-KR" altLang="en-US" sz="2400" dirty="0">
+                  <a:solidFill>
+                    <a:srgbClr val="333F50"/>
+                  </a:solidFill>
+                  <a:latin typeface="Leferi Point Type Black" panose="020B0A03000000000000" pitchFamily="34" charset="-127"/>
+                  <a:ea typeface="Leferi Point Type Black" panose="020B0A03000000000000" pitchFamily="34" charset="-127"/>
+                </a:endParaRPr>
+              </a:p>
+            </p:txBody>
+          </p:sp>
+          <p:pic>
+            <p:nvPicPr>
+              <p:cNvPr id="10" name="그림 9"/>
+              <p:cNvPicPr>
+                <a:picLocks noChangeAspect="1"/>
+              </p:cNvPicPr>
+              <p:nvPr/>
+            </p:nvPicPr>
+            <p:blipFill>
+              <a:blip r:embed="rId3" cstate="print">
+                <a:lum bright="70000" contrast="-70000"/>
+                <a:extLst>
+                  <a:ext uri="{28A0092B-C50C-407E-A947-70E740481C1C}">
+                    <a14:useLocalDpi xmlns:a14="http://schemas.microsoft.com/office/drawing/2010/main" val="0"/>
+                  </a:ext>
+                </a:extLst>
+              </a:blip>
+              <a:stretch>
+                <a:fillRect/>
+              </a:stretch>
+            </p:blipFill>
+            <p:spPr>
+              <a:xfrm>
+                <a:off x="474009" y="733975"/>
+                <a:ext cx="390631" cy="468575"/>
+              </a:xfrm>
+              <a:prstGeom prst="rect">
+                <a:avLst/>
+              </a:prstGeom>
+            </p:spPr>
+          </p:pic>
+        </p:grpSp>
+      </p:grpSp>
+      <p:sp>
+        <p:nvSpPr>
+          <p:cNvPr id="11" name="TextBox 10"/>
+          <p:cNvSpPr txBox="1"/>
+          <p:nvPr/>
+        </p:nvSpPr>
+        <p:spPr>
+          <a:xfrm>
+            <a:off x="1315063" y="1330601"/>
+            <a:ext cx="6151043" cy="1015663"/>
+          </a:xfrm>
+          <a:prstGeom prst="rect">
+            <a:avLst/>
+          </a:prstGeom>
+          <a:noFill/>
+        </p:spPr>
+        <p:txBody>
+          <a:bodyPr wrap="none" rtlCol="0">
+            <a:spAutoFit/>
+          </a:bodyPr>
+          <a:lstStyle/>
+          <a:p>
+            <a:pPr marL="171450" indent="-171450">
+              <a:buFont typeface="Arial" panose="020B0604020202020204" pitchFamily="34" charset="0"/>
+              <a:buChar char="•"/>
+            </a:pPr>
+            <a:r>
+              <a:rPr lang="ko-KR" altLang="en-US" sz="1000" dirty="0" err="1" smtClean="0"/>
+              <a:t>질문글에</a:t>
+            </a:r>
+            <a:r>
+              <a:rPr lang="ko-KR" altLang="en-US" sz="1000" dirty="0" smtClean="0"/>
+              <a:t> </a:t>
+            </a:r>
+            <a:r>
+              <a:rPr lang="ko-KR" altLang="en-US" sz="1000" dirty="0" err="1"/>
+              <a:t>답변글이</a:t>
+            </a:r>
+            <a:r>
+              <a:rPr lang="ko-KR" altLang="en-US" sz="1000" dirty="0"/>
+              <a:t> </a:t>
+            </a:r>
+            <a:r>
+              <a:rPr lang="ko-KR" altLang="en-US" sz="1000" dirty="0" err="1"/>
+              <a:t>달릴경우</a:t>
+            </a:r>
+            <a:r>
+              <a:rPr lang="ko-KR" altLang="en-US" sz="1000" dirty="0"/>
+              <a:t> </a:t>
+            </a:r>
+            <a:r>
+              <a:rPr lang="en-US" altLang="ko-KR" sz="1000" dirty="0"/>
+              <a:t>'</a:t>
+            </a:r>
+            <a:r>
+              <a:rPr lang="ko-KR" altLang="en-US" sz="1000" dirty="0"/>
+              <a:t>답글 수</a:t>
+            </a:r>
+            <a:r>
+              <a:rPr lang="en-US" altLang="ko-KR" sz="1000" dirty="0"/>
+              <a:t>(</a:t>
+            </a:r>
+            <a:r>
+              <a:rPr lang="en-US" altLang="ko-KR" sz="1000" dirty="0" err="1"/>
+              <a:t>reply_cnt</a:t>
+            </a:r>
+            <a:r>
+              <a:rPr lang="en-US" altLang="ko-KR" sz="1000" dirty="0"/>
+              <a:t>)'</a:t>
+            </a:r>
+            <a:r>
+              <a:rPr lang="ko-KR" altLang="en-US" sz="1000" dirty="0"/>
+              <a:t>의 숫자가 </a:t>
+            </a:r>
+            <a:r>
+              <a:rPr lang="en-US" altLang="ko-KR" sz="1000" dirty="0"/>
+              <a:t>+1 </a:t>
+            </a:r>
+            <a:r>
+              <a:rPr lang="ko-KR" altLang="en-US" sz="1000" dirty="0" err="1"/>
+              <a:t>카운팅되고</a:t>
+            </a:r>
+            <a:endParaRPr lang="ko-KR" altLang="en-US" sz="1000" dirty="0"/>
+          </a:p>
+          <a:p>
+            <a:pPr marL="171450" indent="-171450">
+              <a:buFont typeface="Arial" panose="020B0604020202020204" pitchFamily="34" charset="0"/>
+              <a:buChar char="•"/>
+            </a:pPr>
+            <a:r>
+              <a:rPr lang="ko-KR" altLang="en-US" sz="1000" dirty="0" err="1" smtClean="0"/>
+              <a:t>질문글에</a:t>
+            </a:r>
+            <a:r>
+              <a:rPr lang="ko-KR" altLang="en-US" sz="1000" dirty="0" smtClean="0"/>
+              <a:t> </a:t>
+            </a:r>
+            <a:r>
+              <a:rPr lang="ko-KR" altLang="en-US" sz="1000" dirty="0" err="1"/>
+              <a:t>답변글이</a:t>
+            </a:r>
+            <a:r>
+              <a:rPr lang="ko-KR" altLang="en-US" sz="1000" dirty="0"/>
+              <a:t> 삭제 될 경우 </a:t>
+            </a:r>
+            <a:r>
+              <a:rPr lang="en-US" altLang="ko-KR" sz="1000" dirty="0"/>
+              <a:t>'</a:t>
+            </a:r>
+            <a:r>
+              <a:rPr lang="ko-KR" altLang="en-US" sz="1000" dirty="0"/>
+              <a:t>답글 수</a:t>
+            </a:r>
+            <a:r>
+              <a:rPr lang="en-US" altLang="ko-KR" sz="1000" dirty="0"/>
+              <a:t>(</a:t>
+            </a:r>
+            <a:r>
+              <a:rPr lang="en-US" altLang="ko-KR" sz="1000" dirty="0" err="1"/>
+              <a:t>reply_cnt</a:t>
+            </a:r>
+            <a:r>
+              <a:rPr lang="en-US" altLang="ko-KR" sz="1000" dirty="0"/>
+              <a:t>)'</a:t>
+            </a:r>
+            <a:r>
+              <a:rPr lang="ko-KR" altLang="en-US" sz="1000" dirty="0"/>
+              <a:t>의 숫자가 </a:t>
+            </a:r>
+            <a:r>
+              <a:rPr lang="en-US" altLang="ko-KR" sz="1000" dirty="0"/>
+              <a:t>-1 </a:t>
+            </a:r>
+            <a:r>
+              <a:rPr lang="ko-KR" altLang="en-US" sz="1000" dirty="0" err="1"/>
+              <a:t>카운팅됩니다</a:t>
+            </a:r>
+            <a:r>
+              <a:rPr lang="en-US" altLang="ko-KR" sz="1000" dirty="0"/>
+              <a:t>.</a:t>
+            </a:r>
+          </a:p>
+          <a:p>
+            <a:pPr marL="171450" indent="-171450">
+              <a:buFont typeface="Arial" panose="020B0604020202020204" pitchFamily="34" charset="0"/>
+              <a:buChar char="•"/>
+            </a:pPr>
+            <a:r>
+              <a:rPr lang="ko-KR" altLang="en-US" sz="1000" dirty="0" err="1" smtClean="0"/>
+              <a:t>질문글</a:t>
+            </a:r>
+            <a:r>
+              <a:rPr lang="ko-KR" altLang="en-US" sz="1000" dirty="0" smtClean="0"/>
+              <a:t> </a:t>
+            </a:r>
+            <a:r>
+              <a:rPr lang="ko-KR" altLang="en-US" sz="1000" dirty="0"/>
+              <a:t>상세 보기를 할 경우 </a:t>
+            </a:r>
+            <a:r>
+              <a:rPr lang="ko-KR" altLang="en-US" sz="1000" dirty="0" err="1"/>
+              <a:t>해당글의</a:t>
+            </a:r>
+            <a:r>
+              <a:rPr lang="ko-KR" altLang="en-US" sz="1000" dirty="0"/>
+              <a:t> </a:t>
+            </a:r>
+            <a:r>
+              <a:rPr lang="ko-KR" altLang="en-US" sz="1000" dirty="0" err="1"/>
+              <a:t>답변글은</a:t>
+            </a:r>
+            <a:r>
+              <a:rPr lang="ko-KR" altLang="en-US" sz="1000" dirty="0"/>
+              <a:t> 같은 글 </a:t>
+            </a:r>
+            <a:r>
+              <a:rPr lang="ko-KR" altLang="en-US" sz="1000" dirty="0" err="1"/>
+              <a:t>그룹번호</a:t>
+            </a:r>
+            <a:r>
+              <a:rPr lang="en-US" altLang="ko-KR" sz="1000" dirty="0"/>
+              <a:t>(</a:t>
+            </a:r>
+            <a:r>
+              <a:rPr lang="en-US" altLang="ko-KR" sz="1000" dirty="0" err="1"/>
+              <a:t>parno</a:t>
+            </a:r>
+            <a:r>
+              <a:rPr lang="en-US" altLang="ko-KR" sz="1000" dirty="0"/>
+              <a:t>)</a:t>
+            </a:r>
+            <a:r>
+              <a:rPr lang="ko-KR" altLang="en-US" sz="1000" dirty="0"/>
+              <a:t>로 묶여서 함께 보여지고</a:t>
+            </a:r>
+            <a:r>
+              <a:rPr lang="en-US" altLang="ko-KR" sz="1000" dirty="0"/>
+              <a:t>,</a:t>
+            </a:r>
+          </a:p>
+          <a:p>
+            <a:pPr marL="171450" indent="-171450">
+              <a:buFont typeface="Arial" panose="020B0604020202020204" pitchFamily="34" charset="0"/>
+              <a:buChar char="•"/>
+            </a:pPr>
+            <a:r>
+              <a:rPr lang="ko-KR" altLang="en-US" sz="1000" dirty="0" err="1" smtClean="0"/>
+              <a:t>질문글이</a:t>
+            </a:r>
+            <a:r>
+              <a:rPr lang="ko-KR" altLang="en-US" sz="1000" dirty="0" smtClean="0"/>
+              <a:t> </a:t>
+            </a:r>
+            <a:r>
+              <a:rPr lang="ko-KR" altLang="en-US" sz="1000" dirty="0"/>
+              <a:t>삭제 될 경우 같은 그룹의 </a:t>
+            </a:r>
+            <a:r>
+              <a:rPr lang="ko-KR" altLang="en-US" sz="1000" dirty="0" err="1"/>
+              <a:t>답변글도</a:t>
+            </a:r>
+            <a:r>
+              <a:rPr lang="ko-KR" altLang="en-US" sz="1000" dirty="0"/>
+              <a:t> 자동 삭제 됩니다</a:t>
+            </a:r>
+            <a:r>
+              <a:rPr lang="en-US" altLang="ko-KR" sz="1000" dirty="0"/>
+              <a:t>.   </a:t>
+            </a:r>
+          </a:p>
+          <a:p>
+            <a:pPr marL="171450" indent="-171450">
+              <a:buFont typeface="Arial" panose="020B0604020202020204" pitchFamily="34" charset="0"/>
+              <a:buChar char="•"/>
+            </a:pPr>
+            <a:r>
+              <a:rPr lang="en-US" altLang="ko-KR" sz="1000" dirty="0" err="1" smtClean="0"/>
+              <a:t>Mybatis</a:t>
+            </a:r>
+            <a:r>
+              <a:rPr lang="en-US" altLang="ko-KR" sz="1000" dirty="0" smtClean="0"/>
+              <a:t> </a:t>
+            </a:r>
+            <a:r>
+              <a:rPr lang="en-US" altLang="ko-KR" sz="1000" dirty="0" err="1"/>
+              <a:t>Rowbound</a:t>
+            </a:r>
+            <a:r>
+              <a:rPr lang="en-US" altLang="ko-KR" sz="1000" dirty="0"/>
+              <a:t> </a:t>
+            </a:r>
+            <a:r>
+              <a:rPr lang="ko-KR" altLang="en-US" sz="1000" dirty="0"/>
+              <a:t>이용하여 </a:t>
+            </a:r>
+            <a:r>
+              <a:rPr lang="ko-KR" altLang="en-US" sz="1000" dirty="0" err="1"/>
+              <a:t>페이징</a:t>
+            </a:r>
+            <a:r>
+              <a:rPr lang="ko-KR" altLang="en-US" sz="1000" dirty="0"/>
+              <a:t> 처리하였습니다</a:t>
+            </a:r>
+            <a:r>
+              <a:rPr lang="en-US" altLang="ko-KR" sz="1000" dirty="0"/>
+              <a:t>.</a:t>
+            </a:r>
+          </a:p>
+          <a:p>
+            <a:pPr marL="171450" indent="-171450">
+              <a:buFont typeface="Arial" panose="020B0604020202020204" pitchFamily="34" charset="0"/>
+              <a:buChar char="•"/>
+            </a:pPr>
+            <a:r>
+              <a:rPr lang="en-US" altLang="ko-KR" sz="1000" dirty="0" smtClean="0"/>
+              <a:t>Jakarta</a:t>
+            </a:r>
+            <a:r>
+              <a:rPr lang="ko-KR" altLang="en-US" sz="1000" dirty="0"/>
+              <a:t>의 </a:t>
+            </a:r>
+            <a:r>
+              <a:rPr lang="en-US" altLang="ko-KR" sz="1000" dirty="0" err="1"/>
+              <a:t>Valildation</a:t>
+            </a:r>
+            <a:r>
+              <a:rPr lang="en-US" altLang="ko-KR" sz="1000" dirty="0"/>
+              <a:t> </a:t>
+            </a:r>
+            <a:r>
+              <a:rPr lang="ko-KR" altLang="en-US" sz="1000" dirty="0"/>
+              <a:t>클래스를 사용하여 최댓값</a:t>
+            </a:r>
+            <a:r>
+              <a:rPr lang="en-US" altLang="ko-KR" sz="1000" dirty="0"/>
+              <a:t>, </a:t>
+            </a:r>
+            <a:r>
+              <a:rPr lang="ko-KR" altLang="en-US" sz="1000" dirty="0"/>
+              <a:t>최솟값</a:t>
+            </a:r>
+            <a:r>
+              <a:rPr lang="en-US" altLang="ko-KR" sz="1000" dirty="0"/>
+              <a:t>, </a:t>
+            </a:r>
+            <a:r>
+              <a:rPr lang="ko-KR" altLang="en-US" sz="1000" dirty="0"/>
+              <a:t>크기와 같은 유효성 검증을 진행하였습니다</a:t>
+            </a:r>
+            <a:r>
+              <a:rPr lang="en-US" altLang="ko-KR" sz="1000" dirty="0"/>
+              <a:t>.</a:t>
+            </a:r>
+          </a:p>
+        </p:txBody>
+      </p:sp>
+      <p:sp>
+        <p:nvSpPr>
+          <p:cNvPr id="14" name="직사각형 13"/>
+          <p:cNvSpPr/>
+          <p:nvPr/>
+        </p:nvSpPr>
+        <p:spPr>
+          <a:xfrm>
+            <a:off x="1911153" y="4088680"/>
+            <a:ext cx="1077540" cy="143692"/>
+          </a:xfrm>
+          <a:prstGeom prst="rect">
+            <a:avLst/>
+          </a:prstGeom>
+          <a:noFill/>
+          <a:ln>
+            <a:solidFill>
+              <a:srgbClr val="FF0000"/>
+            </a:solidFill>
+          </a:ln>
+        </p:spPr>
+        <p:style>
+          <a:lnRef idx="2">
+            <a:schemeClr val="accent1">
+              <a:shade val="50000"/>
+            </a:schemeClr>
+          </a:lnRef>
+          <a:fillRef idx="1">
+            <a:schemeClr val="accent1"/>
+          </a:fillRef>
+          <a:effectRef idx="0">
+            <a:schemeClr val="accent1"/>
+          </a:effectRef>
+          <a:fontRef idx="minor">
+            <a:schemeClr val="lt1"/>
+          </a:fontRef>
+        </p:style>
+        <p:txBody>
+          <a:bodyPr rtlCol="0" anchor="ctr"/>
+          <a:lstStyle/>
+          <a:p>
+            <a:pPr algn="ctr"/>
+            <a:endParaRPr lang="ko-KR" altLang="en-US"/>
+          </a:p>
+        </p:txBody>
+      </p:sp>
+      <p:cxnSp>
+        <p:nvCxnSpPr>
+          <p:cNvPr id="15" name="직선 화살표 연결선 14"/>
+          <p:cNvCxnSpPr/>
+          <p:nvPr/>
+        </p:nvCxnSpPr>
+        <p:spPr>
+          <a:xfrm>
+            <a:off x="2988693" y="4151818"/>
+            <a:ext cx="4454299" cy="0"/>
+          </a:xfrm>
+          <a:prstGeom prst="straightConnector1">
+            <a:avLst/>
+          </a:prstGeom>
+          <a:ln>
+            <a:solidFill>
+              <a:srgbClr val="FF0000"/>
+            </a:solidFill>
+            <a:tailEnd type="triangle"/>
+          </a:ln>
+        </p:spPr>
+        <p:style>
+          <a:lnRef idx="1">
+            <a:schemeClr val="accent1"/>
+          </a:lnRef>
+          <a:fillRef idx="0">
+            <a:schemeClr val="accent1"/>
+          </a:fillRef>
+          <a:effectRef idx="0">
+            <a:schemeClr val="accent1"/>
+          </a:effectRef>
+          <a:fontRef idx="minor">
+            <a:schemeClr val="tx1"/>
+          </a:fontRef>
+        </p:style>
+      </p:cxnSp>
+      <p:pic>
+        <p:nvPicPr>
+          <p:cNvPr id="16" name="그림 15"/>
+          <p:cNvPicPr>
+            <a:picLocks noChangeAspect="1"/>
+          </p:cNvPicPr>
+          <p:nvPr/>
+        </p:nvPicPr>
+        <p:blipFill>
+          <a:blip r:embed="rId4"/>
+          <a:stretch>
+            <a:fillRect/>
+          </a:stretch>
+        </p:blipFill>
+        <p:spPr>
+          <a:xfrm>
+            <a:off x="7601872" y="2534287"/>
+            <a:ext cx="3412448" cy="4084229"/>
+          </a:xfrm>
+          <a:prstGeom prst="rect">
+            <a:avLst/>
+          </a:prstGeom>
+        </p:spPr>
+      </p:pic>
+    </p:spTree>
+    <p:extLst>
+      <p:ext uri="{BB962C8B-B14F-4D97-AF65-F5344CB8AC3E}">
+        <p14:creationId xmlns:p14="http://schemas.microsoft.com/office/powerpoint/2010/main" val="1235839943"/>
+      </p:ext>
+    </p:extLst>
+  </p:cSld>
+  <p:clrMapOvr>
+    <a:masterClrMapping/>
+  </p:clrMapOvr>
+</p:sld>
+</file>
+
+<file path=ppt/slides/slide9.xml><?xml version="1.0" encoding="utf-8"?>
 <p:sld xmlns:a="http://schemas.openxmlformats.org/drawingml/2006/main" xmlns:r="http://schemas.openxmlformats.org/officeDocument/2006/relationships" xmlns:p="http://schemas.openxmlformats.org/presentationml/2006/main">
   <p:cSld>
     <p:spTree>
